--- a/02-Imagenes/A:B_Testing/PowerPointImagenes.pptx
+++ b/02-Imagenes/A:B_Testing/PowerPointImagenes.pptx
@@ -8,6 +8,7 @@
     <p:sldId id="256" r:id="rId2"/>
     <p:sldId id="257" r:id="rId3"/>
     <p:sldId id="258" r:id="rId4"/>
+    <p:sldId id="259" r:id="rId5"/>
   </p:sldIdLst>
   <p:sldSz cx="12192000" cy="6858000"/>
   <p:notesSz cx="6858000" cy="9144000"/>
@@ -106,6 +107,11 @@
       </a:defRPr>
     </a:lvl9pPr>
   </p:defaultTextStyle>
+  <p:extLst>
+    <p:ext uri="{EFAFB233-063F-42B5-8137-9DF3F51BA10A}">
+      <p15:sldGuideLst xmlns:p15="http://schemas.microsoft.com/office/powerpoint/2012/main"/>
+    </p:ext>
+  </p:extLst>
 </p:presentation>
 </file>
 
@@ -256,9 +262,9 @@
           <a:p>
             <a:fld id="{ECC93CF6-D714-F742-B8F8-40E5DB92E388}" type="datetimeFigureOut">
               <a:rPr lang="es-ES" smtClean="0"/>
-              <a:t>29/4/24</a:t>
+              <a:t>13/5/24</a:t>
             </a:fld>
-            <a:endParaRPr lang="es-ES"/>
+            <a:endParaRPr lang="es-ES" dirty="0"/>
           </a:p>
         </p:txBody>
       </p:sp>
@@ -283,7 +289,7 @@
           <a:bodyPr/>
           <a:lstStyle/>
           <a:p>
-            <a:endParaRPr lang="es-ES"/>
+            <a:endParaRPr lang="es-ES" dirty="0"/>
           </a:p>
         </p:txBody>
       </p:sp>
@@ -312,7 +318,7 @@
               <a:rPr lang="es-ES" smtClean="0"/>
               <a:t>‹Nº›</a:t>
             </a:fld>
-            <a:endParaRPr lang="es-ES"/>
+            <a:endParaRPr lang="es-ES" dirty="0"/>
           </a:p>
         </p:txBody>
       </p:sp>
@@ -454,9 +460,9 @@
           <a:p>
             <a:fld id="{ECC93CF6-D714-F742-B8F8-40E5DB92E388}" type="datetimeFigureOut">
               <a:rPr lang="es-ES" smtClean="0"/>
-              <a:t>29/4/24</a:t>
+              <a:t>13/5/24</a:t>
             </a:fld>
-            <a:endParaRPr lang="es-ES"/>
+            <a:endParaRPr lang="es-ES" dirty="0"/>
           </a:p>
         </p:txBody>
       </p:sp>
@@ -481,7 +487,7 @@
           <a:bodyPr/>
           <a:lstStyle/>
           <a:p>
-            <a:endParaRPr lang="es-ES"/>
+            <a:endParaRPr lang="es-ES" dirty="0"/>
           </a:p>
         </p:txBody>
       </p:sp>
@@ -510,7 +516,7 @@
               <a:rPr lang="es-ES" smtClean="0"/>
               <a:t>‹Nº›</a:t>
             </a:fld>
-            <a:endParaRPr lang="es-ES"/>
+            <a:endParaRPr lang="es-ES" dirty="0"/>
           </a:p>
         </p:txBody>
       </p:sp>
@@ -662,9 +668,9 @@
           <a:p>
             <a:fld id="{ECC93CF6-D714-F742-B8F8-40E5DB92E388}" type="datetimeFigureOut">
               <a:rPr lang="es-ES" smtClean="0"/>
-              <a:t>29/4/24</a:t>
+              <a:t>13/5/24</a:t>
             </a:fld>
-            <a:endParaRPr lang="es-ES"/>
+            <a:endParaRPr lang="es-ES" dirty="0"/>
           </a:p>
         </p:txBody>
       </p:sp>
@@ -689,7 +695,7 @@
           <a:bodyPr/>
           <a:lstStyle/>
           <a:p>
-            <a:endParaRPr lang="es-ES"/>
+            <a:endParaRPr lang="es-ES" dirty="0"/>
           </a:p>
         </p:txBody>
       </p:sp>
@@ -718,7 +724,7 @@
               <a:rPr lang="es-ES" smtClean="0"/>
               <a:t>‹Nº›</a:t>
             </a:fld>
-            <a:endParaRPr lang="es-ES"/>
+            <a:endParaRPr lang="es-ES" dirty="0"/>
           </a:p>
         </p:txBody>
       </p:sp>
@@ -860,9 +866,9 @@
           <a:p>
             <a:fld id="{ECC93CF6-D714-F742-B8F8-40E5DB92E388}" type="datetimeFigureOut">
               <a:rPr lang="es-ES" smtClean="0"/>
-              <a:t>29/4/24</a:t>
+              <a:t>13/5/24</a:t>
             </a:fld>
-            <a:endParaRPr lang="es-ES"/>
+            <a:endParaRPr lang="es-ES" dirty="0"/>
           </a:p>
         </p:txBody>
       </p:sp>
@@ -887,7 +893,7 @@
           <a:bodyPr/>
           <a:lstStyle/>
           <a:p>
-            <a:endParaRPr lang="es-ES"/>
+            <a:endParaRPr lang="es-ES" dirty="0"/>
           </a:p>
         </p:txBody>
       </p:sp>
@@ -916,7 +922,7 @@
               <a:rPr lang="es-ES" smtClean="0"/>
               <a:t>‹Nº›</a:t>
             </a:fld>
-            <a:endParaRPr lang="es-ES"/>
+            <a:endParaRPr lang="es-ES" dirty="0"/>
           </a:p>
         </p:txBody>
       </p:sp>
@@ -1135,9 +1141,9 @@
           <a:p>
             <a:fld id="{ECC93CF6-D714-F742-B8F8-40E5DB92E388}" type="datetimeFigureOut">
               <a:rPr lang="es-ES" smtClean="0"/>
-              <a:t>29/4/24</a:t>
+              <a:t>13/5/24</a:t>
             </a:fld>
-            <a:endParaRPr lang="es-ES"/>
+            <a:endParaRPr lang="es-ES" dirty="0"/>
           </a:p>
         </p:txBody>
       </p:sp>
@@ -1162,7 +1168,7 @@
           <a:bodyPr/>
           <a:lstStyle/>
           <a:p>
-            <a:endParaRPr lang="es-ES"/>
+            <a:endParaRPr lang="es-ES" dirty="0"/>
           </a:p>
         </p:txBody>
       </p:sp>
@@ -1191,7 +1197,7 @@
               <a:rPr lang="es-ES" smtClean="0"/>
               <a:t>‹Nº›</a:t>
             </a:fld>
-            <a:endParaRPr lang="es-ES"/>
+            <a:endParaRPr lang="es-ES" dirty="0"/>
           </a:p>
         </p:txBody>
       </p:sp>
@@ -1400,9 +1406,9 @@
           <a:p>
             <a:fld id="{ECC93CF6-D714-F742-B8F8-40E5DB92E388}" type="datetimeFigureOut">
               <a:rPr lang="es-ES" smtClean="0"/>
-              <a:t>29/4/24</a:t>
+              <a:t>13/5/24</a:t>
             </a:fld>
-            <a:endParaRPr lang="es-ES"/>
+            <a:endParaRPr lang="es-ES" dirty="0"/>
           </a:p>
         </p:txBody>
       </p:sp>
@@ -1427,7 +1433,7 @@
           <a:bodyPr/>
           <a:lstStyle/>
           <a:p>
-            <a:endParaRPr lang="es-ES"/>
+            <a:endParaRPr lang="es-ES" dirty="0"/>
           </a:p>
         </p:txBody>
       </p:sp>
@@ -1456,7 +1462,7 @@
               <a:rPr lang="es-ES" smtClean="0"/>
               <a:t>‹Nº›</a:t>
             </a:fld>
-            <a:endParaRPr lang="es-ES"/>
+            <a:endParaRPr lang="es-ES" dirty="0"/>
           </a:p>
         </p:txBody>
       </p:sp>
@@ -1812,9 +1818,9 @@
           <a:p>
             <a:fld id="{ECC93CF6-D714-F742-B8F8-40E5DB92E388}" type="datetimeFigureOut">
               <a:rPr lang="es-ES" smtClean="0"/>
-              <a:t>29/4/24</a:t>
+              <a:t>13/5/24</a:t>
             </a:fld>
-            <a:endParaRPr lang="es-ES"/>
+            <a:endParaRPr lang="es-ES" dirty="0"/>
           </a:p>
         </p:txBody>
       </p:sp>
@@ -1839,7 +1845,7 @@
           <a:bodyPr/>
           <a:lstStyle/>
           <a:p>
-            <a:endParaRPr lang="es-ES"/>
+            <a:endParaRPr lang="es-ES" dirty="0"/>
           </a:p>
         </p:txBody>
       </p:sp>
@@ -1868,7 +1874,7 @@
               <a:rPr lang="es-ES" smtClean="0"/>
               <a:t>‹Nº›</a:t>
             </a:fld>
-            <a:endParaRPr lang="es-ES"/>
+            <a:endParaRPr lang="es-ES" dirty="0"/>
           </a:p>
         </p:txBody>
       </p:sp>
@@ -1953,9 +1959,9 @@
           <a:p>
             <a:fld id="{ECC93CF6-D714-F742-B8F8-40E5DB92E388}" type="datetimeFigureOut">
               <a:rPr lang="es-ES" smtClean="0"/>
-              <a:t>29/4/24</a:t>
+              <a:t>13/5/24</a:t>
             </a:fld>
-            <a:endParaRPr lang="es-ES"/>
+            <a:endParaRPr lang="es-ES" dirty="0"/>
           </a:p>
         </p:txBody>
       </p:sp>
@@ -1980,7 +1986,7 @@
           <a:bodyPr/>
           <a:lstStyle/>
           <a:p>
-            <a:endParaRPr lang="es-ES"/>
+            <a:endParaRPr lang="es-ES" dirty="0"/>
           </a:p>
         </p:txBody>
       </p:sp>
@@ -2009,7 +2015,7 @@
               <a:rPr lang="es-ES" smtClean="0"/>
               <a:t>‹Nº›</a:t>
             </a:fld>
-            <a:endParaRPr lang="es-ES"/>
+            <a:endParaRPr lang="es-ES" dirty="0"/>
           </a:p>
         </p:txBody>
       </p:sp>
@@ -2066,9 +2072,9 @@
           <a:p>
             <a:fld id="{ECC93CF6-D714-F742-B8F8-40E5DB92E388}" type="datetimeFigureOut">
               <a:rPr lang="es-ES" smtClean="0"/>
-              <a:t>29/4/24</a:t>
+              <a:t>13/5/24</a:t>
             </a:fld>
-            <a:endParaRPr lang="es-ES"/>
+            <a:endParaRPr lang="es-ES" dirty="0"/>
           </a:p>
         </p:txBody>
       </p:sp>
@@ -2093,7 +2099,7 @@
           <a:bodyPr/>
           <a:lstStyle/>
           <a:p>
-            <a:endParaRPr lang="es-ES"/>
+            <a:endParaRPr lang="es-ES" dirty="0"/>
           </a:p>
         </p:txBody>
       </p:sp>
@@ -2122,7 +2128,7 @@
               <a:rPr lang="es-ES" smtClean="0"/>
               <a:t>‹Nº›</a:t>
             </a:fld>
-            <a:endParaRPr lang="es-ES"/>
+            <a:endParaRPr lang="es-ES" dirty="0"/>
           </a:p>
         </p:txBody>
       </p:sp>
@@ -2377,9 +2383,9 @@
           <a:p>
             <a:fld id="{ECC93CF6-D714-F742-B8F8-40E5DB92E388}" type="datetimeFigureOut">
               <a:rPr lang="es-ES" smtClean="0"/>
-              <a:t>29/4/24</a:t>
+              <a:t>13/5/24</a:t>
             </a:fld>
-            <a:endParaRPr lang="es-ES"/>
+            <a:endParaRPr lang="es-ES" dirty="0"/>
           </a:p>
         </p:txBody>
       </p:sp>
@@ -2404,7 +2410,7 @@
           <a:bodyPr/>
           <a:lstStyle/>
           <a:p>
-            <a:endParaRPr lang="es-ES"/>
+            <a:endParaRPr lang="es-ES" dirty="0"/>
           </a:p>
         </p:txBody>
       </p:sp>
@@ -2433,7 +2439,7 @@
               <a:rPr lang="es-ES" smtClean="0"/>
               <a:t>‹Nº›</a:t>
             </a:fld>
-            <a:endParaRPr lang="es-ES"/>
+            <a:endParaRPr lang="es-ES" dirty="0"/>
           </a:p>
         </p:txBody>
       </p:sp>
@@ -2567,7 +2573,7 @@
             </a:lvl9pPr>
           </a:lstStyle>
           <a:p>
-            <a:endParaRPr lang="es-ES"/>
+            <a:endParaRPr lang="es-ES" dirty="0"/>
           </a:p>
         </p:txBody>
       </p:sp>
@@ -2665,9 +2671,9 @@
           <a:p>
             <a:fld id="{ECC93CF6-D714-F742-B8F8-40E5DB92E388}" type="datetimeFigureOut">
               <a:rPr lang="es-ES" smtClean="0"/>
-              <a:t>29/4/24</a:t>
+              <a:t>13/5/24</a:t>
             </a:fld>
-            <a:endParaRPr lang="es-ES"/>
+            <a:endParaRPr lang="es-ES" dirty="0"/>
           </a:p>
         </p:txBody>
       </p:sp>
@@ -2692,7 +2698,7 @@
           <a:bodyPr/>
           <a:lstStyle/>
           <a:p>
-            <a:endParaRPr lang="es-ES"/>
+            <a:endParaRPr lang="es-ES" dirty="0"/>
           </a:p>
         </p:txBody>
       </p:sp>
@@ -2721,7 +2727,7 @@
               <a:rPr lang="es-ES" smtClean="0"/>
               <a:t>‹Nº›</a:t>
             </a:fld>
-            <a:endParaRPr lang="es-ES"/>
+            <a:endParaRPr lang="es-ES" dirty="0"/>
           </a:p>
         </p:txBody>
       </p:sp>
@@ -2906,9 +2912,9 @@
           <a:p>
             <a:fld id="{ECC93CF6-D714-F742-B8F8-40E5DB92E388}" type="datetimeFigureOut">
               <a:rPr lang="es-ES" smtClean="0"/>
-              <a:t>29/4/24</a:t>
+              <a:t>13/5/24</a:t>
             </a:fld>
-            <a:endParaRPr lang="es-ES"/>
+            <a:endParaRPr lang="es-ES" dirty="0"/>
           </a:p>
         </p:txBody>
       </p:sp>
@@ -2951,7 +2957,7 @@
             </a:lvl1pPr>
           </a:lstStyle>
           <a:p>
-            <a:endParaRPr lang="es-ES"/>
+            <a:endParaRPr lang="es-ES" dirty="0"/>
           </a:p>
         </p:txBody>
       </p:sp>
@@ -2998,7 +3004,7 @@
               <a:rPr lang="es-ES" smtClean="0"/>
               <a:t>‹Nº›</a:t>
             </a:fld>
-            <a:endParaRPr lang="es-ES"/>
+            <a:endParaRPr lang="es-ES" dirty="0"/>
           </a:p>
         </p:txBody>
       </p:sp>
@@ -3391,7 +3397,7 @@
             <a:lstStyle/>
             <a:p>
               <a:pPr algn="ctr"/>
-              <a:endParaRPr lang="es-ES"/>
+              <a:endParaRPr lang="es-ES" dirty="0"/>
             </a:p>
           </p:txBody>
         </p:sp>
@@ -3440,7 +3446,7 @@
             <a:lstStyle/>
             <a:p>
               <a:pPr algn="ctr"/>
-              <a:endParaRPr lang="es-ES"/>
+              <a:endParaRPr lang="es-ES" dirty="0"/>
             </a:p>
           </p:txBody>
         </p:sp>
@@ -3489,7 +3495,7 @@
             <a:lstStyle/>
             <a:p>
               <a:pPr algn="ctr"/>
-              <a:endParaRPr lang="es-ES"/>
+              <a:endParaRPr lang="es-ES" dirty="0"/>
             </a:p>
           </p:txBody>
         </p:sp>
@@ -3536,7 +3542,7 @@
             <a:lstStyle/>
             <a:p>
               <a:pPr algn="ctr"/>
-              <a:endParaRPr lang="es-ES"/>
+              <a:endParaRPr lang="es-ES" dirty="0"/>
             </a:p>
           </p:txBody>
         </p:sp>
@@ -3585,7 +3591,7 @@
             <a:lstStyle/>
             <a:p>
               <a:pPr algn="ctr"/>
-              <a:endParaRPr lang="es-ES"/>
+              <a:endParaRPr lang="es-ES" dirty="0"/>
             </a:p>
           </p:txBody>
         </p:sp>
@@ -3634,7 +3640,7 @@
             <a:lstStyle/>
             <a:p>
               <a:pPr algn="ctr"/>
-              <a:endParaRPr lang="es-ES"/>
+              <a:endParaRPr lang="es-ES" dirty="0"/>
             </a:p>
           </p:txBody>
         </p:sp>
@@ -3683,7 +3689,7 @@
             <a:lstStyle/>
             <a:p>
               <a:pPr algn="ctr"/>
-              <a:endParaRPr lang="es-ES"/>
+              <a:endParaRPr lang="es-ES" dirty="0"/>
             </a:p>
           </p:txBody>
         </p:sp>
@@ -3732,7 +3738,7 @@
             <a:lstStyle/>
             <a:p>
               <a:pPr algn="ctr"/>
-              <a:endParaRPr lang="es-ES"/>
+              <a:endParaRPr lang="es-ES" dirty="0"/>
             </a:p>
           </p:txBody>
         </p:sp>
@@ -3830,7 +3836,7 @@
             <a:lstStyle/>
             <a:p>
               <a:pPr algn="ctr"/>
-              <a:endParaRPr lang="es-ES"/>
+              <a:endParaRPr lang="es-ES" dirty="0"/>
             </a:p>
           </p:txBody>
         </p:sp>
@@ -3879,7 +3885,7 @@
             <a:lstStyle/>
             <a:p>
               <a:pPr algn="ctr"/>
-              <a:endParaRPr lang="es-ES"/>
+              <a:endParaRPr lang="es-ES" dirty="0"/>
             </a:p>
           </p:txBody>
         </p:sp>
@@ -3926,7 +3932,7 @@
             <a:lstStyle/>
             <a:p>
               <a:pPr algn="ctr"/>
-              <a:endParaRPr lang="es-ES"/>
+              <a:endParaRPr lang="es-ES" dirty="0"/>
             </a:p>
           </p:txBody>
         </p:sp>
@@ -3975,7 +3981,7 @@
             <a:lstStyle/>
             <a:p>
               <a:pPr algn="ctr"/>
-              <a:endParaRPr lang="es-ES"/>
+              <a:endParaRPr lang="es-ES" dirty="0"/>
             </a:p>
           </p:txBody>
         </p:sp>
@@ -4024,7 +4030,7 @@
             <a:lstStyle/>
             <a:p>
               <a:pPr algn="ctr"/>
-              <a:endParaRPr lang="es-ES"/>
+              <a:endParaRPr lang="es-ES" dirty="0"/>
             </a:p>
           </p:txBody>
         </p:sp>
@@ -4073,7 +4079,7 @@
             <a:lstStyle/>
             <a:p>
               <a:pPr algn="ctr"/>
-              <a:endParaRPr lang="es-ES"/>
+              <a:endParaRPr lang="es-ES" dirty="0"/>
             </a:p>
           </p:txBody>
         </p:sp>
@@ -4122,7 +4128,7 @@
             <a:lstStyle/>
             <a:p>
               <a:pPr algn="ctr"/>
-              <a:endParaRPr lang="es-ES"/>
+              <a:endParaRPr lang="es-ES" dirty="0"/>
             </a:p>
           </p:txBody>
         </p:sp>
@@ -4430,7 +4436,7 @@
             <a:lstStyle/>
             <a:p>
               <a:pPr algn="ctr"/>
-              <a:endParaRPr lang="es-ES"/>
+              <a:endParaRPr lang="es-ES" dirty="0"/>
             </a:p>
           </p:txBody>
         </p:sp>
@@ -4502,7 +4508,7 @@
               <a:lstStyle/>
               <a:p>
                 <a:pPr algn="ctr"/>
-                <a:endParaRPr lang="es-ES"/>
+                <a:endParaRPr lang="es-ES" dirty="0"/>
               </a:p>
             </p:txBody>
           </p:sp>
@@ -4551,7 +4557,7 @@
               <a:lstStyle/>
               <a:p>
                 <a:pPr algn="ctr"/>
-                <a:endParaRPr lang="es-ES"/>
+                <a:endParaRPr lang="es-ES" dirty="0"/>
               </a:p>
             </p:txBody>
           </p:sp>
@@ -4600,7 +4606,7 @@
               <a:lstStyle/>
               <a:p>
                 <a:pPr algn="ctr"/>
-                <a:endParaRPr lang="es-ES"/>
+                <a:endParaRPr lang="es-ES" dirty="0"/>
               </a:p>
             </p:txBody>
           </p:sp>
@@ -4649,7 +4655,7 @@
               <a:lstStyle/>
               <a:p>
                 <a:pPr algn="ctr"/>
-                <a:endParaRPr lang="es-ES"/>
+                <a:endParaRPr lang="es-ES" dirty="0"/>
               </a:p>
             </p:txBody>
           </p:sp>
@@ -4698,7 +4704,7 @@
               <a:lstStyle/>
               <a:p>
                 <a:pPr algn="ctr"/>
-                <a:endParaRPr lang="es-ES"/>
+                <a:endParaRPr lang="es-ES" dirty="0"/>
               </a:p>
             </p:txBody>
           </p:sp>
@@ -4747,7 +4753,7 @@
               <a:lstStyle/>
               <a:p>
                 <a:pPr algn="ctr"/>
-                <a:endParaRPr lang="es-ES"/>
+                <a:endParaRPr lang="es-ES" dirty="0"/>
               </a:p>
             </p:txBody>
           </p:sp>
@@ -4796,7 +4802,7 @@
               <a:lstStyle/>
               <a:p>
                 <a:pPr algn="ctr"/>
-                <a:endParaRPr lang="es-ES"/>
+                <a:endParaRPr lang="es-ES" dirty="0"/>
               </a:p>
             </p:txBody>
           </p:sp>
@@ -4845,7 +4851,7 @@
               <a:lstStyle/>
               <a:p>
                 <a:pPr algn="ctr"/>
-                <a:endParaRPr lang="es-ES"/>
+                <a:endParaRPr lang="es-ES" dirty="0"/>
               </a:p>
             </p:txBody>
           </p:sp>
@@ -4941,7 +4947,7 @@
               <a:lstStyle/>
               <a:p>
                 <a:pPr algn="ctr"/>
-                <a:endParaRPr lang="es-ES"/>
+                <a:endParaRPr lang="es-ES" dirty="0"/>
               </a:p>
             </p:txBody>
           </p:sp>
@@ -4988,7 +4994,7 @@
               <a:lstStyle/>
               <a:p>
                 <a:pPr algn="ctr"/>
-                <a:endParaRPr lang="es-ES"/>
+                <a:endParaRPr lang="es-ES" dirty="0"/>
               </a:p>
             </p:txBody>
           </p:sp>
@@ -5035,7 +5041,7 @@
               <a:lstStyle/>
               <a:p>
                 <a:pPr algn="ctr"/>
-                <a:endParaRPr lang="es-ES"/>
+                <a:endParaRPr lang="es-ES" dirty="0"/>
               </a:p>
             </p:txBody>
           </p:sp>
@@ -5082,7 +5088,7 @@
               <a:lstStyle/>
               <a:p>
                 <a:pPr algn="ctr"/>
-                <a:endParaRPr lang="es-ES"/>
+                <a:endParaRPr lang="es-ES" dirty="0"/>
               </a:p>
             </p:txBody>
           </p:sp>
@@ -5129,7 +5135,7 @@
               <a:lstStyle/>
               <a:p>
                 <a:pPr algn="ctr"/>
-                <a:endParaRPr lang="es-ES"/>
+                <a:endParaRPr lang="es-ES" dirty="0"/>
               </a:p>
             </p:txBody>
           </p:sp>
@@ -5176,7 +5182,7 @@
               <a:lstStyle/>
               <a:p>
                 <a:pPr algn="ctr"/>
-                <a:endParaRPr lang="es-ES"/>
+                <a:endParaRPr lang="es-ES" dirty="0"/>
               </a:p>
             </p:txBody>
           </p:sp>
@@ -5223,7 +5229,7 @@
               <a:lstStyle/>
               <a:p>
                 <a:pPr algn="ctr"/>
-                <a:endParaRPr lang="es-ES"/>
+                <a:endParaRPr lang="es-ES" dirty="0"/>
               </a:p>
             </p:txBody>
           </p:sp>
@@ -5516,7 +5522,7 @@
               <a:lstStyle/>
               <a:p>
                 <a:pPr algn="ctr"/>
-                <a:endParaRPr lang="es-ES"/>
+                <a:endParaRPr lang="es-ES" dirty="0"/>
               </a:p>
             </p:txBody>
           </p:sp>
@@ -5565,7 +5571,7 @@
               <a:lstStyle/>
               <a:p>
                 <a:pPr algn="ctr"/>
-                <a:endParaRPr lang="es-ES"/>
+                <a:endParaRPr lang="es-ES" dirty="0"/>
               </a:p>
             </p:txBody>
           </p:sp>
@@ -5614,7 +5620,7 @@
               <a:lstStyle/>
               <a:p>
                 <a:pPr algn="ctr"/>
-                <a:endParaRPr lang="es-ES"/>
+                <a:endParaRPr lang="es-ES" dirty="0"/>
               </a:p>
             </p:txBody>
           </p:sp>
@@ -5663,7 +5669,7 @@
               <a:lstStyle/>
               <a:p>
                 <a:pPr algn="ctr"/>
-                <a:endParaRPr lang="es-ES"/>
+                <a:endParaRPr lang="es-ES" dirty="0"/>
               </a:p>
             </p:txBody>
           </p:sp>
@@ -5712,7 +5718,7 @@
               <a:lstStyle/>
               <a:p>
                 <a:pPr algn="ctr"/>
-                <a:endParaRPr lang="es-ES"/>
+                <a:endParaRPr lang="es-ES" dirty="0"/>
               </a:p>
             </p:txBody>
           </p:sp>
@@ -5761,7 +5767,7 @@
               <a:lstStyle/>
               <a:p>
                 <a:pPr algn="ctr"/>
-                <a:endParaRPr lang="es-ES"/>
+                <a:endParaRPr lang="es-ES" dirty="0"/>
               </a:p>
             </p:txBody>
           </p:sp>
@@ -5810,7 +5816,7 @@
               <a:lstStyle/>
               <a:p>
                 <a:pPr algn="ctr"/>
-                <a:endParaRPr lang="es-ES"/>
+                <a:endParaRPr lang="es-ES" dirty="0"/>
               </a:p>
             </p:txBody>
           </p:sp>
@@ -5859,7 +5865,7 @@
               <a:lstStyle/>
               <a:p>
                 <a:pPr algn="ctr"/>
-                <a:endParaRPr lang="es-ES"/>
+                <a:endParaRPr lang="es-ES" dirty="0"/>
               </a:p>
             </p:txBody>
           </p:sp>
@@ -5955,7 +5961,7 @@
               <a:lstStyle/>
               <a:p>
                 <a:pPr algn="ctr"/>
-                <a:endParaRPr lang="es-ES"/>
+                <a:endParaRPr lang="es-ES" dirty="0"/>
               </a:p>
             </p:txBody>
           </p:sp>
@@ -6004,7 +6010,7 @@
               <a:lstStyle/>
               <a:p>
                 <a:pPr algn="ctr"/>
-                <a:endParaRPr lang="es-ES"/>
+                <a:endParaRPr lang="es-ES" dirty="0"/>
               </a:p>
             </p:txBody>
           </p:sp>
@@ -6053,7 +6059,7 @@
               <a:lstStyle/>
               <a:p>
                 <a:pPr algn="ctr"/>
-                <a:endParaRPr lang="es-ES"/>
+                <a:endParaRPr lang="es-ES" dirty="0"/>
               </a:p>
             </p:txBody>
           </p:sp>
@@ -6102,7 +6108,7 @@
               <a:lstStyle/>
               <a:p>
                 <a:pPr algn="ctr"/>
-                <a:endParaRPr lang="es-ES"/>
+                <a:endParaRPr lang="es-ES" dirty="0"/>
               </a:p>
             </p:txBody>
           </p:sp>
@@ -6149,7 +6155,7 @@
               <a:lstStyle/>
               <a:p>
                 <a:pPr algn="ctr"/>
-                <a:endParaRPr lang="es-ES"/>
+                <a:endParaRPr lang="es-ES" dirty="0"/>
               </a:p>
             </p:txBody>
           </p:sp>
@@ -6198,7 +6204,7 @@
               <a:lstStyle/>
               <a:p>
                 <a:pPr algn="ctr"/>
-                <a:endParaRPr lang="es-ES"/>
+                <a:endParaRPr lang="es-ES" dirty="0"/>
               </a:p>
             </p:txBody>
           </p:sp>
@@ -6247,7 +6253,7 @@
               <a:lstStyle/>
               <a:p>
                 <a:pPr algn="ctr"/>
-                <a:endParaRPr lang="es-ES"/>
+                <a:endParaRPr lang="es-ES" dirty="0"/>
               </a:p>
             </p:txBody>
           </p:sp>
@@ -7207,6 +7213,1283 @@
 </p:sld>
 </file>
 
+<file path=ppt/slides/slide4.xml><?xml version="1.0" encoding="utf-8"?>
+<p:sld xmlns:a="http://schemas.openxmlformats.org/drawingml/2006/main" xmlns:r="http://schemas.openxmlformats.org/officeDocument/2006/relationships" xmlns:p="http://schemas.openxmlformats.org/presentationml/2006/main">
+  <p:cSld>
+    <p:spTree>
+      <p:nvGrpSpPr>
+        <p:cNvPr id="1" name=""/>
+        <p:cNvGrpSpPr/>
+        <p:nvPr/>
+      </p:nvGrpSpPr>
+      <p:grpSpPr>
+        <a:xfrm>
+          <a:off x="0" y="0"/>
+          <a:ext cx="0" cy="0"/>
+          <a:chOff x="0" y="0"/>
+          <a:chExt cx="0" cy="0"/>
+        </a:xfrm>
+      </p:grpSpPr>
+      <p:graphicFrame>
+        <p:nvGraphicFramePr>
+          <p:cNvPr id="4" name="Marcador de contenido 3">
+            <a:extLst>
+              <a:ext uri="{FF2B5EF4-FFF2-40B4-BE49-F238E27FC236}">
+                <a16:creationId xmlns:a16="http://schemas.microsoft.com/office/drawing/2014/main" id="{20A25E4D-C1E0-BBD1-3FAB-E71A5ADE5209}"/>
+              </a:ext>
+            </a:extLst>
+          </p:cNvPr>
+          <p:cNvGraphicFramePr>
+            <a:graphicFrameLocks noGrp="1"/>
+          </p:cNvGraphicFramePr>
+          <p:nvPr>
+            <p:ph idx="1"/>
+            <p:extLst>
+              <p:ext uri="{D42A27DB-BD31-4B8C-83A1-F6EECF244321}">
+                <p14:modId xmlns:p14="http://schemas.microsoft.com/office/powerpoint/2010/main" val="2720493023"/>
+              </p:ext>
+            </p:extLst>
+          </p:nvPr>
+        </p:nvGraphicFramePr>
+        <p:xfrm>
+          <a:off x="138023" y="652432"/>
+          <a:ext cx="11887200" cy="5364480"/>
+        </p:xfrm>
+        <a:graphic>
+          <a:graphicData uri="http://schemas.openxmlformats.org/drawingml/2006/table">
+            <a:tbl>
+              <a:tblPr firstRow="1">
+                <a:tableStyleId>{91EBBBCC-DAD2-459C-BE2E-F6DE35CF9A28}</a:tableStyleId>
+              </a:tblPr>
+              <a:tblGrid>
+                <a:gridCol w="2377440">
+                  <a:extLst>
+                    <a:ext uri="{9D8B030D-6E8A-4147-A177-3AD203B41FA5}">
+                      <a16:colId xmlns:a16="http://schemas.microsoft.com/office/drawing/2014/main" val="1417250188"/>
+                    </a:ext>
+                  </a:extLst>
+                </a:gridCol>
+                <a:gridCol w="2377440">
+                  <a:extLst>
+                    <a:ext uri="{9D8B030D-6E8A-4147-A177-3AD203B41FA5}">
+                      <a16:colId xmlns:a16="http://schemas.microsoft.com/office/drawing/2014/main" val="393863482"/>
+                    </a:ext>
+                  </a:extLst>
+                </a:gridCol>
+                <a:gridCol w="2377440">
+                  <a:extLst>
+                    <a:ext uri="{9D8B030D-6E8A-4147-A177-3AD203B41FA5}">
+                      <a16:colId xmlns:a16="http://schemas.microsoft.com/office/drawing/2014/main" val="3856336415"/>
+                    </a:ext>
+                  </a:extLst>
+                </a:gridCol>
+                <a:gridCol w="2377440">
+                  <a:extLst>
+                    <a:ext uri="{9D8B030D-6E8A-4147-A177-3AD203B41FA5}">
+                      <a16:colId xmlns:a16="http://schemas.microsoft.com/office/drawing/2014/main" val="1284552978"/>
+                    </a:ext>
+                  </a:extLst>
+                </a:gridCol>
+                <a:gridCol w="2377440">
+                  <a:extLst>
+                    <a:ext uri="{9D8B030D-6E8A-4147-A177-3AD203B41FA5}">
+                      <a16:colId xmlns:a16="http://schemas.microsoft.com/office/drawing/2014/main" val="1405231236"/>
+                    </a:ext>
+                  </a:extLst>
+                </a:gridCol>
+              </a:tblGrid>
+              <a:tr h="370840">
+                <a:tc>
+                  <a:txBody>
+                    <a:bodyPr/>
+                    <a:lstStyle/>
+                    <a:p>
+                      <a:pPr algn="ctr"/>
+                      <a:endParaRPr lang="es-ES" sz="1400" dirty="0">
+                        <a:latin typeface="Geist Mono" pitchFamily="2" charset="77"/>
+                        <a:ea typeface="Geist Mono" pitchFamily="2" charset="77"/>
+                        <a:cs typeface="Geist Mono" pitchFamily="2" charset="77"/>
+                      </a:endParaRPr>
+                    </a:p>
+                  </a:txBody>
+                  <a:tcPr anchor="ctr">
+                    <a:lnL w="12700" cap="flat" cmpd="sng" algn="ctr">
+                      <a:solidFill>
+                        <a:schemeClr val="tx1"/>
+                      </a:solidFill>
+                      <a:prstDash val="solid"/>
+                      <a:round/>
+                      <a:headEnd type="none" w="med" len="med"/>
+                      <a:tailEnd type="none" w="med" len="med"/>
+                    </a:lnL>
+                    <a:lnR w="12700" cap="flat" cmpd="sng" algn="ctr">
+                      <a:solidFill>
+                        <a:schemeClr val="tx1"/>
+                      </a:solidFill>
+                      <a:prstDash val="solid"/>
+                      <a:round/>
+                      <a:headEnd type="none" w="med" len="med"/>
+                      <a:tailEnd type="none" w="med" len="med"/>
+                    </a:lnR>
+                    <a:lnT w="12700" cap="flat" cmpd="sng" algn="ctr">
+                      <a:solidFill>
+                        <a:schemeClr val="tx1"/>
+                      </a:solidFill>
+                      <a:prstDash val="solid"/>
+                      <a:round/>
+                      <a:headEnd type="none" w="med" len="med"/>
+                      <a:tailEnd type="none" w="med" len="med"/>
+                    </a:lnT>
+                    <a:lnB w="12700" cap="flat" cmpd="sng" algn="ctr">
+                      <a:solidFill>
+                        <a:schemeClr val="tx1"/>
+                      </a:solidFill>
+                      <a:prstDash val="solid"/>
+                      <a:round/>
+                      <a:headEnd type="none" w="med" len="med"/>
+                      <a:tailEnd type="none" w="med" len="med"/>
+                    </a:lnB>
+                  </a:tcPr>
+                </a:tc>
+                <a:tc>
+                  <a:txBody>
+                    <a:bodyPr/>
+                    <a:lstStyle/>
+                    <a:p>
+                      <a:pPr algn="ctr"/>
+                      <a:r>
+                        <a:rPr lang="es-ES" sz="1400" dirty="0">
+                          <a:latin typeface="Geist Mono" pitchFamily="2" charset="77"/>
+                          <a:ea typeface="Geist Mono" pitchFamily="2" charset="77"/>
+                          <a:cs typeface="Geist Mono" pitchFamily="2" charset="77"/>
+                        </a:rPr>
+                        <a:t>Análisis de Varianza (ANOVA)</a:t>
+                      </a:r>
+                    </a:p>
+                  </a:txBody>
+                  <a:tcPr anchor="ctr">
+                    <a:lnL w="12700" cap="flat" cmpd="sng" algn="ctr">
+                      <a:solidFill>
+                        <a:schemeClr val="tx1"/>
+                      </a:solidFill>
+                      <a:prstDash val="solid"/>
+                      <a:round/>
+                      <a:headEnd type="none" w="med" len="med"/>
+                      <a:tailEnd type="none" w="med" len="med"/>
+                    </a:lnL>
+                    <a:lnR w="12700" cap="flat" cmpd="sng" algn="ctr">
+                      <a:solidFill>
+                        <a:schemeClr val="tx1"/>
+                      </a:solidFill>
+                      <a:prstDash val="solid"/>
+                      <a:round/>
+                      <a:headEnd type="none" w="med" len="med"/>
+                      <a:tailEnd type="none" w="med" len="med"/>
+                    </a:lnR>
+                    <a:lnT w="12700" cap="flat" cmpd="sng" algn="ctr">
+                      <a:solidFill>
+                        <a:schemeClr val="tx1"/>
+                      </a:solidFill>
+                      <a:prstDash val="solid"/>
+                      <a:round/>
+                      <a:headEnd type="none" w="med" len="med"/>
+                      <a:tailEnd type="none" w="med" len="med"/>
+                    </a:lnT>
+                    <a:lnB w="12700" cap="flat" cmpd="sng" algn="ctr">
+                      <a:solidFill>
+                        <a:schemeClr val="tx1"/>
+                      </a:solidFill>
+                      <a:prstDash val="solid"/>
+                      <a:round/>
+                      <a:headEnd type="none" w="med" len="med"/>
+                      <a:tailEnd type="none" w="med" len="med"/>
+                    </a:lnB>
+                  </a:tcPr>
+                </a:tc>
+                <a:tc>
+                  <a:txBody>
+                    <a:bodyPr/>
+                    <a:lstStyle/>
+                    <a:p>
+                      <a:pPr algn="ctr"/>
+                      <a:r>
+                        <a:rPr lang="es-ES" sz="1400" dirty="0">
+                          <a:latin typeface="Geist Mono" pitchFamily="2" charset="77"/>
+                          <a:ea typeface="Geist Mono" pitchFamily="2" charset="77"/>
+                          <a:cs typeface="Geist Mono" pitchFamily="2" charset="77"/>
+                        </a:rPr>
+                        <a:t>t-Student</a:t>
+                      </a:r>
+                    </a:p>
+                  </a:txBody>
+                  <a:tcPr anchor="ctr">
+                    <a:lnL w="12700" cap="flat" cmpd="sng" algn="ctr">
+                      <a:solidFill>
+                        <a:schemeClr val="tx1"/>
+                      </a:solidFill>
+                      <a:prstDash val="solid"/>
+                      <a:round/>
+                      <a:headEnd type="none" w="med" len="med"/>
+                      <a:tailEnd type="none" w="med" len="med"/>
+                    </a:lnL>
+                    <a:lnR w="12700" cap="flat" cmpd="sng" algn="ctr">
+                      <a:solidFill>
+                        <a:schemeClr val="tx1"/>
+                      </a:solidFill>
+                      <a:prstDash val="solid"/>
+                      <a:round/>
+                      <a:headEnd type="none" w="med" len="med"/>
+                      <a:tailEnd type="none" w="med" len="med"/>
+                    </a:lnR>
+                    <a:lnT w="12700" cap="flat" cmpd="sng" algn="ctr">
+                      <a:solidFill>
+                        <a:schemeClr val="tx1"/>
+                      </a:solidFill>
+                      <a:prstDash val="solid"/>
+                      <a:round/>
+                      <a:headEnd type="none" w="med" len="med"/>
+                      <a:tailEnd type="none" w="med" len="med"/>
+                    </a:lnT>
+                    <a:lnB w="12700" cap="flat" cmpd="sng" algn="ctr">
+                      <a:solidFill>
+                        <a:schemeClr val="tx1"/>
+                      </a:solidFill>
+                      <a:prstDash val="solid"/>
+                      <a:round/>
+                      <a:headEnd type="none" w="med" len="med"/>
+                      <a:tailEnd type="none" w="med" len="med"/>
+                    </a:lnB>
+                  </a:tcPr>
+                </a:tc>
+                <a:tc>
+                  <a:txBody>
+                    <a:bodyPr/>
+                    <a:lstStyle/>
+                    <a:p>
+                      <a:pPr algn="ctr"/>
+                      <a:r>
+                        <a:rPr lang="es-ES" sz="1400" dirty="0">
+                          <a:latin typeface="Geist Mono" pitchFamily="2" charset="77"/>
+                          <a:ea typeface="Geist Mono" pitchFamily="2" charset="77"/>
+                          <a:cs typeface="Geist Mono" pitchFamily="2" charset="77"/>
+                        </a:rPr>
+                        <a:t>t-Student Dependiente</a:t>
+                      </a:r>
+                    </a:p>
+                  </a:txBody>
+                  <a:tcPr anchor="ctr">
+                    <a:lnL w="12700" cap="flat" cmpd="sng" algn="ctr">
+                      <a:solidFill>
+                        <a:schemeClr val="tx1"/>
+                      </a:solidFill>
+                      <a:prstDash val="solid"/>
+                      <a:round/>
+                      <a:headEnd type="none" w="med" len="med"/>
+                      <a:tailEnd type="none" w="med" len="med"/>
+                    </a:lnL>
+                    <a:lnR w="12700" cap="flat" cmpd="sng" algn="ctr">
+                      <a:solidFill>
+                        <a:schemeClr val="tx1"/>
+                      </a:solidFill>
+                      <a:prstDash val="solid"/>
+                      <a:round/>
+                      <a:headEnd type="none" w="med" len="med"/>
+                      <a:tailEnd type="none" w="med" len="med"/>
+                    </a:lnR>
+                    <a:lnT w="12700" cap="flat" cmpd="sng" algn="ctr">
+                      <a:solidFill>
+                        <a:schemeClr val="tx1"/>
+                      </a:solidFill>
+                      <a:prstDash val="solid"/>
+                      <a:round/>
+                      <a:headEnd type="none" w="med" len="med"/>
+                      <a:tailEnd type="none" w="med" len="med"/>
+                    </a:lnT>
+                    <a:lnB w="12700" cap="flat" cmpd="sng" algn="ctr">
+                      <a:solidFill>
+                        <a:schemeClr val="tx1"/>
+                      </a:solidFill>
+                      <a:prstDash val="solid"/>
+                      <a:round/>
+                      <a:headEnd type="none" w="med" len="med"/>
+                      <a:tailEnd type="none" w="med" len="med"/>
+                    </a:lnB>
+                  </a:tcPr>
+                </a:tc>
+                <a:tc>
+                  <a:txBody>
+                    <a:bodyPr/>
+                    <a:lstStyle/>
+                    <a:p>
+                      <a:pPr algn="ctr"/>
+                      <a:r>
+                        <a:rPr lang="es-ES" sz="1400" dirty="0">
+                          <a:latin typeface="Geist Mono" pitchFamily="2" charset="77"/>
+                          <a:ea typeface="Geist Mono" pitchFamily="2" charset="77"/>
+                          <a:cs typeface="Geist Mono" pitchFamily="2" charset="77"/>
+                        </a:rPr>
+                        <a:t>Z-test</a:t>
+                      </a:r>
+                    </a:p>
+                  </a:txBody>
+                  <a:tcPr anchor="ctr">
+                    <a:lnL w="12700" cap="flat" cmpd="sng" algn="ctr">
+                      <a:solidFill>
+                        <a:schemeClr val="tx1"/>
+                      </a:solidFill>
+                      <a:prstDash val="solid"/>
+                      <a:round/>
+                      <a:headEnd type="none" w="med" len="med"/>
+                      <a:tailEnd type="none" w="med" len="med"/>
+                    </a:lnL>
+                    <a:lnR w="12700" cap="flat" cmpd="sng" algn="ctr">
+                      <a:solidFill>
+                        <a:schemeClr val="tx1"/>
+                      </a:solidFill>
+                      <a:prstDash val="solid"/>
+                      <a:round/>
+                      <a:headEnd type="none" w="med" len="med"/>
+                      <a:tailEnd type="none" w="med" len="med"/>
+                    </a:lnR>
+                    <a:lnT w="12700" cap="flat" cmpd="sng" algn="ctr">
+                      <a:solidFill>
+                        <a:schemeClr val="tx1"/>
+                      </a:solidFill>
+                      <a:prstDash val="solid"/>
+                      <a:round/>
+                      <a:headEnd type="none" w="med" len="med"/>
+                      <a:tailEnd type="none" w="med" len="med"/>
+                    </a:lnT>
+                    <a:lnB w="12700" cap="flat" cmpd="sng" algn="ctr">
+                      <a:solidFill>
+                        <a:schemeClr val="tx1"/>
+                      </a:solidFill>
+                      <a:prstDash val="solid"/>
+                      <a:round/>
+                      <a:headEnd type="none" w="med" len="med"/>
+                      <a:tailEnd type="none" w="med" len="med"/>
+                    </a:lnB>
+                  </a:tcPr>
+                </a:tc>
+                <a:extLst>
+                  <a:ext uri="{0D108BD9-81ED-4DB2-BD59-A6C34878D82A}">
+                    <a16:rowId xmlns:a16="http://schemas.microsoft.com/office/drawing/2014/main" val="1688665177"/>
+                  </a:ext>
+                </a:extLst>
+              </a:tr>
+              <a:tr h="370840">
+                <a:tc>
+                  <a:txBody>
+                    <a:bodyPr/>
+                    <a:lstStyle/>
+                    <a:p>
+                      <a:pPr algn="ctr"/>
+                      <a:r>
+                        <a:rPr lang="es-ES" sz="1200" b="1" dirty="0">
+                          <a:latin typeface="Geist Mono Bold" pitchFamily="2" charset="77"/>
+                          <a:ea typeface="Geist Mono Bold" pitchFamily="2" charset="77"/>
+                          <a:cs typeface="Geist Mono Bold" pitchFamily="2" charset="77"/>
+                        </a:rPr>
+                        <a:t>Qué hace</a:t>
+                      </a:r>
+                    </a:p>
+                  </a:txBody>
+                  <a:tcPr anchor="ctr">
+                    <a:lnL w="12700" cap="flat" cmpd="sng" algn="ctr">
+                      <a:solidFill>
+                        <a:schemeClr val="tx1"/>
+                      </a:solidFill>
+                      <a:prstDash val="solid"/>
+                      <a:round/>
+                      <a:headEnd type="none" w="med" len="med"/>
+                      <a:tailEnd type="none" w="med" len="med"/>
+                    </a:lnL>
+                    <a:lnR w="12700" cap="flat" cmpd="sng" algn="ctr">
+                      <a:solidFill>
+                        <a:schemeClr val="tx1"/>
+                      </a:solidFill>
+                      <a:prstDash val="solid"/>
+                      <a:round/>
+                      <a:headEnd type="none" w="med" len="med"/>
+                      <a:tailEnd type="none" w="med" len="med"/>
+                    </a:lnR>
+                    <a:lnT w="12700" cap="flat" cmpd="sng" algn="ctr">
+                      <a:solidFill>
+                        <a:schemeClr val="tx1"/>
+                      </a:solidFill>
+                      <a:prstDash val="solid"/>
+                      <a:round/>
+                      <a:headEnd type="none" w="med" len="med"/>
+                      <a:tailEnd type="none" w="med" len="med"/>
+                    </a:lnT>
+                    <a:lnB w="12700" cap="flat" cmpd="sng" algn="ctr">
+                      <a:solidFill>
+                        <a:schemeClr val="tx1"/>
+                      </a:solidFill>
+                      <a:prstDash val="solid"/>
+                      <a:round/>
+                      <a:headEnd type="none" w="med" len="med"/>
+                      <a:tailEnd type="none" w="med" len="med"/>
+                    </a:lnB>
+                  </a:tcPr>
+                </a:tc>
+                <a:tc>
+                  <a:txBody>
+                    <a:bodyPr/>
+                    <a:lstStyle/>
+                    <a:p>
+                      <a:pPr algn="ctr"/>
+                      <a:r>
+                        <a:rPr lang="es-ES" sz="1200" dirty="0">
+                          <a:latin typeface="Geist Mono" pitchFamily="2" charset="77"/>
+                          <a:ea typeface="Geist Mono" pitchFamily="2" charset="77"/>
+                          <a:cs typeface="Geist Mono" pitchFamily="2" charset="77"/>
+                        </a:rPr>
+                        <a:t>Comparar MEDIAS de 2 o más grupos INDEPENDIENTES</a:t>
+                      </a:r>
+                    </a:p>
+                  </a:txBody>
+                  <a:tcPr anchor="ctr">
+                    <a:lnL w="12700" cap="flat" cmpd="sng" algn="ctr">
+                      <a:solidFill>
+                        <a:schemeClr val="tx1"/>
+                      </a:solidFill>
+                      <a:prstDash val="solid"/>
+                      <a:round/>
+                      <a:headEnd type="none" w="med" len="med"/>
+                      <a:tailEnd type="none" w="med" len="med"/>
+                    </a:lnL>
+                    <a:lnR w="12700" cap="flat" cmpd="sng" algn="ctr">
+                      <a:solidFill>
+                        <a:schemeClr val="tx1"/>
+                      </a:solidFill>
+                      <a:prstDash val="solid"/>
+                      <a:round/>
+                      <a:headEnd type="none" w="med" len="med"/>
+                      <a:tailEnd type="none" w="med" len="med"/>
+                    </a:lnR>
+                    <a:lnT w="12700" cap="flat" cmpd="sng" algn="ctr">
+                      <a:solidFill>
+                        <a:schemeClr val="tx1"/>
+                      </a:solidFill>
+                      <a:prstDash val="solid"/>
+                      <a:round/>
+                      <a:headEnd type="none" w="med" len="med"/>
+                      <a:tailEnd type="none" w="med" len="med"/>
+                    </a:lnT>
+                    <a:lnB w="12700" cap="flat" cmpd="sng" algn="ctr">
+                      <a:solidFill>
+                        <a:schemeClr val="tx1"/>
+                      </a:solidFill>
+                      <a:prstDash val="solid"/>
+                      <a:round/>
+                      <a:headEnd type="none" w="med" len="med"/>
+                      <a:tailEnd type="none" w="med" len="med"/>
+                    </a:lnB>
+                  </a:tcPr>
+                </a:tc>
+                <a:tc>
+                  <a:txBody>
+                    <a:bodyPr/>
+                    <a:lstStyle/>
+                    <a:p>
+                      <a:pPr algn="ctr"/>
+                      <a:r>
+                        <a:rPr lang="es-ES" sz="1200" dirty="0">
+                          <a:latin typeface="Geist Mono" pitchFamily="2" charset="77"/>
+                          <a:ea typeface="Geist Mono" pitchFamily="2" charset="77"/>
+                          <a:cs typeface="Geist Mono" pitchFamily="2" charset="77"/>
+                        </a:rPr>
+                        <a:t>Comparar MEDIAS entre 2 grupos INDEPENDIENTES</a:t>
+                      </a:r>
+                    </a:p>
+                  </a:txBody>
+                  <a:tcPr anchor="ctr">
+                    <a:lnL w="12700" cap="flat" cmpd="sng" algn="ctr">
+                      <a:solidFill>
+                        <a:schemeClr val="tx1"/>
+                      </a:solidFill>
+                      <a:prstDash val="solid"/>
+                      <a:round/>
+                      <a:headEnd type="none" w="med" len="med"/>
+                      <a:tailEnd type="none" w="med" len="med"/>
+                    </a:lnL>
+                    <a:lnR w="12700" cap="flat" cmpd="sng" algn="ctr">
+                      <a:solidFill>
+                        <a:schemeClr val="tx1"/>
+                      </a:solidFill>
+                      <a:prstDash val="solid"/>
+                      <a:round/>
+                      <a:headEnd type="none" w="med" len="med"/>
+                      <a:tailEnd type="none" w="med" len="med"/>
+                    </a:lnR>
+                    <a:lnT w="12700" cap="flat" cmpd="sng" algn="ctr">
+                      <a:solidFill>
+                        <a:schemeClr val="tx1"/>
+                      </a:solidFill>
+                      <a:prstDash val="solid"/>
+                      <a:round/>
+                      <a:headEnd type="none" w="med" len="med"/>
+                      <a:tailEnd type="none" w="med" len="med"/>
+                    </a:lnT>
+                    <a:lnB w="12700" cap="flat" cmpd="sng" algn="ctr">
+                      <a:solidFill>
+                        <a:schemeClr val="tx1"/>
+                      </a:solidFill>
+                      <a:prstDash val="solid"/>
+                      <a:round/>
+                      <a:headEnd type="none" w="med" len="med"/>
+                      <a:tailEnd type="none" w="med" len="med"/>
+                    </a:lnB>
+                  </a:tcPr>
+                </a:tc>
+                <a:tc>
+                  <a:txBody>
+                    <a:bodyPr/>
+                    <a:lstStyle/>
+                    <a:p>
+                      <a:pPr algn="ctr"/>
+                      <a:r>
+                        <a:rPr lang="es-ES" sz="1200" dirty="0">
+                          <a:latin typeface="Geist Mono" pitchFamily="2" charset="77"/>
+                          <a:ea typeface="Geist Mono" pitchFamily="2" charset="77"/>
+                          <a:cs typeface="Geist Mono" pitchFamily="2" charset="77"/>
+                        </a:rPr>
+                        <a:t>Comparar MEDIAS entre 2 grupos DEPENDIENTES</a:t>
+                      </a:r>
+                    </a:p>
+                  </a:txBody>
+                  <a:tcPr anchor="ctr">
+                    <a:lnL w="12700" cap="flat" cmpd="sng" algn="ctr">
+                      <a:solidFill>
+                        <a:schemeClr val="tx1"/>
+                      </a:solidFill>
+                      <a:prstDash val="solid"/>
+                      <a:round/>
+                      <a:headEnd type="none" w="med" len="med"/>
+                      <a:tailEnd type="none" w="med" len="med"/>
+                    </a:lnL>
+                    <a:lnR w="12700" cap="flat" cmpd="sng" algn="ctr">
+                      <a:solidFill>
+                        <a:schemeClr val="tx1"/>
+                      </a:solidFill>
+                      <a:prstDash val="solid"/>
+                      <a:round/>
+                      <a:headEnd type="none" w="med" len="med"/>
+                      <a:tailEnd type="none" w="med" len="med"/>
+                    </a:lnR>
+                    <a:lnT w="12700" cap="flat" cmpd="sng" algn="ctr">
+                      <a:solidFill>
+                        <a:schemeClr val="tx1"/>
+                      </a:solidFill>
+                      <a:prstDash val="solid"/>
+                      <a:round/>
+                      <a:headEnd type="none" w="med" len="med"/>
+                      <a:tailEnd type="none" w="med" len="med"/>
+                    </a:lnT>
+                    <a:lnB w="12700" cap="flat" cmpd="sng" algn="ctr">
+                      <a:solidFill>
+                        <a:schemeClr val="tx1"/>
+                      </a:solidFill>
+                      <a:prstDash val="solid"/>
+                      <a:round/>
+                      <a:headEnd type="none" w="med" len="med"/>
+                      <a:tailEnd type="none" w="med" len="med"/>
+                    </a:lnB>
+                  </a:tcPr>
+                </a:tc>
+                <a:tc>
+                  <a:txBody>
+                    <a:bodyPr/>
+                    <a:lstStyle/>
+                    <a:p>
+                      <a:pPr algn="ctr"/>
+                      <a:r>
+                        <a:rPr lang="es-ES" sz="1200" dirty="0">
+                          <a:latin typeface="Geist Mono" pitchFamily="2" charset="77"/>
+                          <a:ea typeface="Geist Mono" pitchFamily="2" charset="77"/>
+                          <a:cs typeface="Geist Mono" pitchFamily="2" charset="77"/>
+                        </a:rPr>
+                        <a:t>Comparar MEDIAS de proporciones de 2 grupos INDEPENDIENTES</a:t>
+                      </a:r>
+                    </a:p>
+                  </a:txBody>
+                  <a:tcPr anchor="ctr">
+                    <a:lnL w="12700" cap="flat" cmpd="sng" algn="ctr">
+                      <a:solidFill>
+                        <a:schemeClr val="tx1"/>
+                      </a:solidFill>
+                      <a:prstDash val="solid"/>
+                      <a:round/>
+                      <a:headEnd type="none" w="med" len="med"/>
+                      <a:tailEnd type="none" w="med" len="med"/>
+                    </a:lnL>
+                    <a:lnR w="12700" cap="flat" cmpd="sng" algn="ctr">
+                      <a:solidFill>
+                        <a:schemeClr val="tx1"/>
+                      </a:solidFill>
+                      <a:prstDash val="solid"/>
+                      <a:round/>
+                      <a:headEnd type="none" w="med" len="med"/>
+                      <a:tailEnd type="none" w="med" len="med"/>
+                    </a:lnR>
+                    <a:lnT w="12700" cap="flat" cmpd="sng" algn="ctr">
+                      <a:solidFill>
+                        <a:schemeClr val="tx1"/>
+                      </a:solidFill>
+                      <a:prstDash val="solid"/>
+                      <a:round/>
+                      <a:headEnd type="none" w="med" len="med"/>
+                      <a:tailEnd type="none" w="med" len="med"/>
+                    </a:lnT>
+                    <a:lnB w="12700" cap="flat" cmpd="sng" algn="ctr">
+                      <a:solidFill>
+                        <a:schemeClr val="tx1"/>
+                      </a:solidFill>
+                      <a:prstDash val="solid"/>
+                      <a:round/>
+                      <a:headEnd type="none" w="med" len="med"/>
+                      <a:tailEnd type="none" w="med" len="med"/>
+                    </a:lnB>
+                  </a:tcPr>
+                </a:tc>
+                <a:extLst>
+                  <a:ext uri="{0D108BD9-81ED-4DB2-BD59-A6C34878D82A}">
+                    <a16:rowId xmlns:a16="http://schemas.microsoft.com/office/drawing/2014/main" val="1411555459"/>
+                  </a:ext>
+                </a:extLst>
+              </a:tr>
+              <a:tr h="370840">
+                <a:tc>
+                  <a:txBody>
+                    <a:bodyPr/>
+                    <a:lstStyle/>
+                    <a:p>
+                      <a:pPr algn="ctr"/>
+                      <a:r>
+                        <a:rPr lang="es-ES" sz="1200" b="1" dirty="0">
+                          <a:latin typeface="Geist Mono Bold" pitchFamily="2" charset="77"/>
+                          <a:ea typeface="Geist Mono Bold" pitchFamily="2" charset="77"/>
+                          <a:cs typeface="Geist Mono Bold" pitchFamily="2" charset="77"/>
+                        </a:rPr>
+                        <a:t>Asunciones</a:t>
+                      </a:r>
+                    </a:p>
+                  </a:txBody>
+                  <a:tcPr anchor="ctr">
+                    <a:lnL w="12700" cap="flat" cmpd="sng" algn="ctr">
+                      <a:solidFill>
+                        <a:schemeClr val="tx1"/>
+                      </a:solidFill>
+                      <a:prstDash val="solid"/>
+                      <a:round/>
+                      <a:headEnd type="none" w="med" len="med"/>
+                      <a:tailEnd type="none" w="med" len="med"/>
+                    </a:lnL>
+                    <a:lnR w="12700" cap="flat" cmpd="sng" algn="ctr">
+                      <a:solidFill>
+                        <a:schemeClr val="tx1"/>
+                      </a:solidFill>
+                      <a:prstDash val="solid"/>
+                      <a:round/>
+                      <a:headEnd type="none" w="med" len="med"/>
+                      <a:tailEnd type="none" w="med" len="med"/>
+                    </a:lnR>
+                    <a:lnT w="12700" cap="flat" cmpd="sng" algn="ctr">
+                      <a:solidFill>
+                        <a:schemeClr val="tx1"/>
+                      </a:solidFill>
+                      <a:prstDash val="solid"/>
+                      <a:round/>
+                      <a:headEnd type="none" w="med" len="med"/>
+                      <a:tailEnd type="none" w="med" len="med"/>
+                    </a:lnT>
+                    <a:lnB w="12700" cap="flat" cmpd="sng" algn="ctr">
+                      <a:solidFill>
+                        <a:schemeClr val="tx1"/>
+                      </a:solidFill>
+                      <a:prstDash val="solid"/>
+                      <a:round/>
+                      <a:headEnd type="none" w="med" len="med"/>
+                      <a:tailEnd type="none" w="med" len="med"/>
+                    </a:lnB>
+                  </a:tcPr>
+                </a:tc>
+                <a:tc>
+                  <a:txBody>
+                    <a:bodyPr/>
+                    <a:lstStyle/>
+                    <a:p>
+                      <a:pPr algn="ctr"/>
+                      <a:r>
+                        <a:rPr lang="es-ES" sz="1200" dirty="0">
+                          <a:latin typeface="Geist Mono" pitchFamily="2" charset="77"/>
+                          <a:ea typeface="Geist Mono" pitchFamily="2" charset="77"/>
+                          <a:cs typeface="Geist Mono" pitchFamily="2" charset="77"/>
+                        </a:rPr>
+                        <a:t>Normalidad + Homocedasticidad</a:t>
+                      </a:r>
+                    </a:p>
+                  </a:txBody>
+                  <a:tcPr anchor="ctr">
+                    <a:lnL w="12700" cap="flat" cmpd="sng" algn="ctr">
+                      <a:solidFill>
+                        <a:schemeClr val="tx1"/>
+                      </a:solidFill>
+                      <a:prstDash val="solid"/>
+                      <a:round/>
+                      <a:headEnd type="none" w="med" len="med"/>
+                      <a:tailEnd type="none" w="med" len="med"/>
+                    </a:lnL>
+                    <a:lnR w="12700" cap="flat" cmpd="sng" algn="ctr">
+                      <a:solidFill>
+                        <a:schemeClr val="tx1"/>
+                      </a:solidFill>
+                      <a:prstDash val="solid"/>
+                      <a:round/>
+                      <a:headEnd type="none" w="med" len="med"/>
+                      <a:tailEnd type="none" w="med" len="med"/>
+                    </a:lnR>
+                    <a:lnT w="12700" cap="flat" cmpd="sng" algn="ctr">
+                      <a:solidFill>
+                        <a:schemeClr val="tx1"/>
+                      </a:solidFill>
+                      <a:prstDash val="solid"/>
+                      <a:round/>
+                      <a:headEnd type="none" w="med" len="med"/>
+                      <a:tailEnd type="none" w="med" len="med"/>
+                    </a:lnT>
+                    <a:lnB w="12700" cap="flat" cmpd="sng" algn="ctr">
+                      <a:solidFill>
+                        <a:schemeClr val="tx1"/>
+                      </a:solidFill>
+                      <a:prstDash val="solid"/>
+                      <a:round/>
+                      <a:headEnd type="none" w="med" len="med"/>
+                      <a:tailEnd type="none" w="med" len="med"/>
+                    </a:lnB>
+                  </a:tcPr>
+                </a:tc>
+                <a:tc>
+                  <a:txBody>
+                    <a:bodyPr/>
+                    <a:lstStyle/>
+                    <a:p>
+                      <a:pPr algn="ctr"/>
+                      <a:r>
+                        <a:rPr lang="es-ES" sz="1200" dirty="0">
+                          <a:latin typeface="Geist Mono" pitchFamily="2" charset="77"/>
+                          <a:ea typeface="Geist Mono" pitchFamily="2" charset="77"/>
+                          <a:cs typeface="Geist Mono" pitchFamily="2" charset="77"/>
+                        </a:rPr>
+                        <a:t>Normalidad + Homocedasticidad</a:t>
+                      </a:r>
+                    </a:p>
+                  </a:txBody>
+                  <a:tcPr anchor="ctr">
+                    <a:lnL w="12700" cap="flat" cmpd="sng" algn="ctr">
+                      <a:solidFill>
+                        <a:schemeClr val="tx1"/>
+                      </a:solidFill>
+                      <a:prstDash val="solid"/>
+                      <a:round/>
+                      <a:headEnd type="none" w="med" len="med"/>
+                      <a:tailEnd type="none" w="med" len="med"/>
+                    </a:lnL>
+                    <a:lnR w="12700" cap="flat" cmpd="sng" algn="ctr">
+                      <a:solidFill>
+                        <a:schemeClr val="tx1"/>
+                      </a:solidFill>
+                      <a:prstDash val="solid"/>
+                      <a:round/>
+                      <a:headEnd type="none" w="med" len="med"/>
+                      <a:tailEnd type="none" w="med" len="med"/>
+                    </a:lnR>
+                    <a:lnT w="12700" cap="flat" cmpd="sng" algn="ctr">
+                      <a:solidFill>
+                        <a:schemeClr val="tx1"/>
+                      </a:solidFill>
+                      <a:prstDash val="solid"/>
+                      <a:round/>
+                      <a:headEnd type="none" w="med" len="med"/>
+                      <a:tailEnd type="none" w="med" len="med"/>
+                    </a:lnT>
+                    <a:lnB w="12700" cap="flat" cmpd="sng" algn="ctr">
+                      <a:solidFill>
+                        <a:schemeClr val="tx1"/>
+                      </a:solidFill>
+                      <a:prstDash val="solid"/>
+                      <a:round/>
+                      <a:headEnd type="none" w="med" len="med"/>
+                      <a:tailEnd type="none" w="med" len="med"/>
+                    </a:lnB>
+                  </a:tcPr>
+                </a:tc>
+                <a:tc>
+                  <a:txBody>
+                    <a:bodyPr/>
+                    <a:lstStyle/>
+                    <a:p>
+                      <a:pPr algn="ctr"/>
+                      <a:r>
+                        <a:rPr lang="es-ES" sz="1200" dirty="0">
+                          <a:latin typeface="Geist Mono" pitchFamily="2" charset="77"/>
+                          <a:ea typeface="Geist Mono" pitchFamily="2" charset="77"/>
+                          <a:cs typeface="Geist Mono" pitchFamily="2" charset="77"/>
+                        </a:rPr>
+                        <a:t>Normalidad + Homocedasticidad</a:t>
+                      </a:r>
+                    </a:p>
+                  </a:txBody>
+                  <a:tcPr anchor="ctr">
+                    <a:lnL w="12700" cap="flat" cmpd="sng" algn="ctr">
+                      <a:solidFill>
+                        <a:schemeClr val="tx1"/>
+                      </a:solidFill>
+                      <a:prstDash val="solid"/>
+                      <a:round/>
+                      <a:headEnd type="none" w="med" len="med"/>
+                      <a:tailEnd type="none" w="med" len="med"/>
+                    </a:lnL>
+                    <a:lnR w="12700" cap="flat" cmpd="sng" algn="ctr">
+                      <a:solidFill>
+                        <a:schemeClr val="tx1"/>
+                      </a:solidFill>
+                      <a:prstDash val="solid"/>
+                      <a:round/>
+                      <a:headEnd type="none" w="med" len="med"/>
+                      <a:tailEnd type="none" w="med" len="med"/>
+                    </a:lnR>
+                    <a:lnT w="12700" cap="flat" cmpd="sng" algn="ctr">
+                      <a:solidFill>
+                        <a:schemeClr val="tx1"/>
+                      </a:solidFill>
+                      <a:prstDash val="solid"/>
+                      <a:round/>
+                      <a:headEnd type="none" w="med" len="med"/>
+                      <a:tailEnd type="none" w="med" len="med"/>
+                    </a:lnT>
+                    <a:lnB w="12700" cap="flat" cmpd="sng" algn="ctr">
+                      <a:solidFill>
+                        <a:schemeClr val="tx1"/>
+                      </a:solidFill>
+                      <a:prstDash val="solid"/>
+                      <a:round/>
+                      <a:headEnd type="none" w="med" len="med"/>
+                      <a:tailEnd type="none" w="med" len="med"/>
+                    </a:lnB>
+                  </a:tcPr>
+                </a:tc>
+                <a:tc>
+                  <a:txBody>
+                    <a:bodyPr/>
+                    <a:lstStyle/>
+                    <a:p>
+                      <a:pPr algn="ctr"/>
+                      <a:r>
+                        <a:rPr lang="es-ES" sz="1200" dirty="0">
+                          <a:latin typeface="Geist Mono" pitchFamily="2" charset="77"/>
+                          <a:ea typeface="Geist Mono" pitchFamily="2" charset="77"/>
+                          <a:cs typeface="Geist Mono" pitchFamily="2" charset="77"/>
+                        </a:rPr>
+                        <a:t>Ninguna</a:t>
+                      </a:r>
+                    </a:p>
+                  </a:txBody>
+                  <a:tcPr anchor="ctr">
+                    <a:lnL w="12700" cap="flat" cmpd="sng" algn="ctr">
+                      <a:solidFill>
+                        <a:schemeClr val="tx1"/>
+                      </a:solidFill>
+                      <a:prstDash val="solid"/>
+                      <a:round/>
+                      <a:headEnd type="none" w="med" len="med"/>
+                      <a:tailEnd type="none" w="med" len="med"/>
+                    </a:lnL>
+                    <a:lnR w="12700" cap="flat" cmpd="sng" algn="ctr">
+                      <a:solidFill>
+                        <a:schemeClr val="tx1"/>
+                      </a:solidFill>
+                      <a:prstDash val="solid"/>
+                      <a:round/>
+                      <a:headEnd type="none" w="med" len="med"/>
+                      <a:tailEnd type="none" w="med" len="med"/>
+                    </a:lnR>
+                    <a:lnT w="12700" cap="flat" cmpd="sng" algn="ctr">
+                      <a:solidFill>
+                        <a:schemeClr val="tx1"/>
+                      </a:solidFill>
+                      <a:prstDash val="solid"/>
+                      <a:round/>
+                      <a:headEnd type="none" w="med" len="med"/>
+                      <a:tailEnd type="none" w="med" len="med"/>
+                    </a:lnT>
+                    <a:lnB w="12700" cap="flat" cmpd="sng" algn="ctr">
+                      <a:solidFill>
+                        <a:schemeClr val="tx1"/>
+                      </a:solidFill>
+                      <a:prstDash val="solid"/>
+                      <a:round/>
+                      <a:headEnd type="none" w="med" len="med"/>
+                      <a:tailEnd type="none" w="med" len="med"/>
+                    </a:lnB>
+                  </a:tcPr>
+                </a:tc>
+                <a:extLst>
+                  <a:ext uri="{0D108BD9-81ED-4DB2-BD59-A6C34878D82A}">
+                    <a16:rowId xmlns:a16="http://schemas.microsoft.com/office/drawing/2014/main" val="4164587786"/>
+                  </a:ext>
+                </a:extLst>
+              </a:tr>
+              <a:tr h="370840">
+                <a:tc>
+                  <a:txBody>
+                    <a:bodyPr/>
+                    <a:lstStyle/>
+                    <a:p>
+                      <a:pPr algn="ctr"/>
+                      <a:r>
+                        <a:rPr lang="es-ES" sz="1200" b="1" dirty="0">
+                          <a:latin typeface="Geist Mono Bold" pitchFamily="2" charset="77"/>
+                          <a:ea typeface="Geist Mono Bold" pitchFamily="2" charset="77"/>
+                          <a:cs typeface="Geist Mono Bold" pitchFamily="2" charset="77"/>
+                        </a:rPr>
+                        <a:t>Ejemplo</a:t>
+                      </a:r>
+                    </a:p>
+                  </a:txBody>
+                  <a:tcPr anchor="ctr">
+                    <a:lnL w="12700" cap="flat" cmpd="sng" algn="ctr">
+                      <a:solidFill>
+                        <a:schemeClr val="tx1"/>
+                      </a:solidFill>
+                      <a:prstDash val="solid"/>
+                      <a:round/>
+                      <a:headEnd type="none" w="med" len="med"/>
+                      <a:tailEnd type="none" w="med" len="med"/>
+                    </a:lnL>
+                    <a:lnR w="12700" cap="flat" cmpd="sng" algn="ctr">
+                      <a:solidFill>
+                        <a:schemeClr val="tx1"/>
+                      </a:solidFill>
+                      <a:prstDash val="solid"/>
+                      <a:round/>
+                      <a:headEnd type="none" w="med" len="med"/>
+                      <a:tailEnd type="none" w="med" len="med"/>
+                    </a:lnR>
+                    <a:lnT w="12700" cap="flat" cmpd="sng" algn="ctr">
+                      <a:solidFill>
+                        <a:schemeClr val="tx1"/>
+                      </a:solidFill>
+                      <a:prstDash val="solid"/>
+                      <a:round/>
+                      <a:headEnd type="none" w="med" len="med"/>
+                      <a:tailEnd type="none" w="med" len="med"/>
+                    </a:lnT>
+                    <a:lnB w="12700" cap="flat" cmpd="sng" algn="ctr">
+                      <a:solidFill>
+                        <a:schemeClr val="tx1"/>
+                      </a:solidFill>
+                      <a:prstDash val="solid"/>
+                      <a:round/>
+                      <a:headEnd type="none" w="med" len="med"/>
+                      <a:tailEnd type="none" w="med" len="med"/>
+                    </a:lnB>
+                  </a:tcPr>
+                </a:tc>
+                <a:tc>
+                  <a:txBody>
+                    <a:bodyPr/>
+                    <a:lstStyle/>
+                    <a:p>
+                      <a:pPr algn="ctr"/>
+                      <a:r>
+                        <a:rPr lang="es-ES" sz="1200" b="0" i="0" kern="1200" dirty="0">
+                          <a:solidFill>
+                            <a:schemeClr val="dk1"/>
+                          </a:solidFill>
+                          <a:effectLst/>
+                          <a:latin typeface="Geist Mono" pitchFamily="2" charset="77"/>
+                          <a:ea typeface="Geist Mono" pitchFamily="2" charset="77"/>
+                          <a:cs typeface="Geist Mono" pitchFamily="2" charset="77"/>
+                        </a:rPr>
+                        <a:t>En un estudio clínico sobre hipertensión, se compararon 3 tratamientos para reducir la presión arterial. Creamos 3 grupos de pacientes elegidos al azar. Al primer grupo de pacientes les damos la medicación, al segundo grupo no le damos medicación y al tercer grupo le damos una dosis intermedia de medicación. En este caso, tenemos 3 grupos y las personas que contribuyen en un grupo no lo hacen en otro. </a:t>
+                      </a:r>
+                      <a:endParaRPr lang="es-ES" sz="1200" dirty="0">
+                        <a:latin typeface="Geist Mono" pitchFamily="2" charset="77"/>
+                        <a:ea typeface="Geist Mono" pitchFamily="2" charset="77"/>
+                        <a:cs typeface="Geist Mono" pitchFamily="2" charset="77"/>
+                      </a:endParaRPr>
+                    </a:p>
+                  </a:txBody>
+                  <a:tcPr anchor="ctr">
+                    <a:lnL w="12700" cap="flat" cmpd="sng" algn="ctr">
+                      <a:solidFill>
+                        <a:schemeClr val="tx1"/>
+                      </a:solidFill>
+                      <a:prstDash val="solid"/>
+                      <a:round/>
+                      <a:headEnd type="none" w="med" len="med"/>
+                      <a:tailEnd type="none" w="med" len="med"/>
+                    </a:lnL>
+                    <a:lnR w="12700" cap="flat" cmpd="sng" algn="ctr">
+                      <a:solidFill>
+                        <a:schemeClr val="tx1"/>
+                      </a:solidFill>
+                      <a:prstDash val="solid"/>
+                      <a:round/>
+                      <a:headEnd type="none" w="med" len="med"/>
+                      <a:tailEnd type="none" w="med" len="med"/>
+                    </a:lnR>
+                    <a:lnT w="12700" cap="flat" cmpd="sng" algn="ctr">
+                      <a:solidFill>
+                        <a:schemeClr val="tx1"/>
+                      </a:solidFill>
+                      <a:prstDash val="solid"/>
+                      <a:round/>
+                      <a:headEnd type="none" w="med" len="med"/>
+                      <a:tailEnd type="none" w="med" len="med"/>
+                    </a:lnT>
+                    <a:lnB w="12700" cap="flat" cmpd="sng" algn="ctr">
+                      <a:solidFill>
+                        <a:schemeClr val="tx1"/>
+                      </a:solidFill>
+                      <a:prstDash val="solid"/>
+                      <a:round/>
+                      <a:headEnd type="none" w="med" len="med"/>
+                      <a:tailEnd type="none" w="med" len="med"/>
+                    </a:lnB>
+                  </a:tcPr>
+                </a:tc>
+                <a:tc>
+                  <a:txBody>
+                    <a:bodyPr/>
+                    <a:lstStyle/>
+                    <a:p>
+                      <a:pPr algn="ctr"/>
+                      <a:r>
+                        <a:rPr lang="es-ES" sz="1200" dirty="0">
+                          <a:latin typeface="Geist Mono" pitchFamily="2" charset="77"/>
+                          <a:ea typeface="Geist Mono" pitchFamily="2" charset="77"/>
+                          <a:cs typeface="Geist Mono" pitchFamily="2" charset="77"/>
+                        </a:rPr>
+                        <a:t>Seguimos con el estudio clínico, pero en este caso solo tenemos 2 grupos. El primer grupo recibe medicación y el segundo grupo no la recibe. En este caso, tenemos 2 grupos y las personas que contribuyen en un grupo no lo hacen en otro, es decir, los pacientes que están en un grupo no están en otro. </a:t>
+                      </a:r>
+                    </a:p>
+                  </a:txBody>
+                  <a:tcPr anchor="ctr">
+                    <a:lnL w="12700" cap="flat" cmpd="sng" algn="ctr">
+                      <a:solidFill>
+                        <a:schemeClr val="tx1"/>
+                      </a:solidFill>
+                      <a:prstDash val="solid"/>
+                      <a:round/>
+                      <a:headEnd type="none" w="med" len="med"/>
+                      <a:tailEnd type="none" w="med" len="med"/>
+                    </a:lnL>
+                    <a:lnR w="12700" cap="flat" cmpd="sng" algn="ctr">
+                      <a:solidFill>
+                        <a:schemeClr val="tx1"/>
+                      </a:solidFill>
+                      <a:prstDash val="solid"/>
+                      <a:round/>
+                      <a:headEnd type="none" w="med" len="med"/>
+                      <a:tailEnd type="none" w="med" len="med"/>
+                    </a:lnR>
+                    <a:lnT w="12700" cap="flat" cmpd="sng" algn="ctr">
+                      <a:solidFill>
+                        <a:schemeClr val="tx1"/>
+                      </a:solidFill>
+                      <a:prstDash val="solid"/>
+                      <a:round/>
+                      <a:headEnd type="none" w="med" len="med"/>
+                      <a:tailEnd type="none" w="med" len="med"/>
+                    </a:lnT>
+                    <a:lnB w="12700" cap="flat" cmpd="sng" algn="ctr">
+                      <a:solidFill>
+                        <a:schemeClr val="tx1"/>
+                      </a:solidFill>
+                      <a:prstDash val="solid"/>
+                      <a:round/>
+                      <a:headEnd type="none" w="med" len="med"/>
+                      <a:tailEnd type="none" w="med" len="med"/>
+                    </a:lnB>
+                  </a:tcPr>
+                </a:tc>
+                <a:tc>
+                  <a:txBody>
+                    <a:bodyPr/>
+                    <a:lstStyle/>
+                    <a:p>
+                      <a:pPr algn="ctr"/>
+                      <a:r>
+                        <a:rPr lang="es-ES" sz="1200" dirty="0">
+                          <a:latin typeface="Geist Mono" pitchFamily="2" charset="77"/>
+                          <a:ea typeface="Geist Mono" pitchFamily="2" charset="77"/>
+                          <a:cs typeface="Geist Mono" pitchFamily="2" charset="77"/>
+                        </a:rPr>
+                        <a:t>Seguimos con el estudio de comparar el efecto de la medicación de hipertensión en pacientes. </a:t>
+                      </a:r>
+                    </a:p>
+                    <a:p>
+                      <a:pPr algn="ctr"/>
+                      <a:r>
+                        <a:rPr lang="es-ES" sz="1200" dirty="0">
+                          <a:latin typeface="Geist Mono" pitchFamily="2" charset="77"/>
+                          <a:ea typeface="Geist Mono" pitchFamily="2" charset="77"/>
+                          <a:cs typeface="Geist Mono" pitchFamily="2" charset="77"/>
+                        </a:rPr>
+                        <a:t>En este caso, cogemos a 30 pacientes le damos la medicación y medimos su tensión. </a:t>
+                      </a:r>
+                    </a:p>
+                    <a:p>
+                      <a:pPr algn="ctr"/>
+                      <a:r>
+                        <a:rPr lang="es-ES" sz="1200" dirty="0">
+                          <a:latin typeface="Geist Mono" pitchFamily="2" charset="77"/>
+                          <a:ea typeface="Geist Mono" pitchFamily="2" charset="77"/>
+                          <a:cs typeface="Geist Mono" pitchFamily="2" charset="77"/>
+                        </a:rPr>
+                        <a:t>Dejamos pasar un mes sin darle medicación a los mismos pacientes y volvemos a medir su tensión. </a:t>
+                      </a:r>
+                    </a:p>
+                    <a:p>
+                      <a:pPr algn="ctr"/>
+                      <a:r>
+                        <a:rPr lang="es-ES" sz="1200" dirty="0">
+                          <a:latin typeface="Geist Mono" pitchFamily="2" charset="77"/>
+                          <a:ea typeface="Geist Mono" pitchFamily="2" charset="77"/>
+                          <a:cs typeface="Geist Mono" pitchFamily="2" charset="77"/>
+                        </a:rPr>
+                        <a:t>En este tipo de aproximación los sujetos contribuyen en los dos grupos.</a:t>
+                      </a:r>
+                    </a:p>
+                  </a:txBody>
+                  <a:tcPr anchor="ctr">
+                    <a:lnL w="12700" cap="flat" cmpd="sng" algn="ctr">
+                      <a:solidFill>
+                        <a:schemeClr val="tx1"/>
+                      </a:solidFill>
+                      <a:prstDash val="solid"/>
+                      <a:round/>
+                      <a:headEnd type="none" w="med" len="med"/>
+                      <a:tailEnd type="none" w="med" len="med"/>
+                    </a:lnL>
+                    <a:lnR w="12700" cap="flat" cmpd="sng" algn="ctr">
+                      <a:solidFill>
+                        <a:schemeClr val="tx1"/>
+                      </a:solidFill>
+                      <a:prstDash val="solid"/>
+                      <a:round/>
+                      <a:headEnd type="none" w="med" len="med"/>
+                      <a:tailEnd type="none" w="med" len="med"/>
+                    </a:lnR>
+                    <a:lnT w="12700" cap="flat" cmpd="sng" algn="ctr">
+                      <a:solidFill>
+                        <a:schemeClr val="tx1"/>
+                      </a:solidFill>
+                      <a:prstDash val="solid"/>
+                      <a:round/>
+                      <a:headEnd type="none" w="med" len="med"/>
+                      <a:tailEnd type="none" w="med" len="med"/>
+                    </a:lnT>
+                    <a:lnB w="12700" cap="flat" cmpd="sng" algn="ctr">
+                      <a:solidFill>
+                        <a:schemeClr val="tx1"/>
+                      </a:solidFill>
+                      <a:prstDash val="solid"/>
+                      <a:round/>
+                      <a:headEnd type="none" w="med" len="med"/>
+                      <a:tailEnd type="none" w="med" len="med"/>
+                    </a:lnB>
+                  </a:tcPr>
+                </a:tc>
+                <a:tc>
+                  <a:txBody>
+                    <a:bodyPr/>
+                    <a:lstStyle/>
+                    <a:p>
+                      <a:pPr algn="ctr"/>
+                      <a:r>
+                        <a:rPr lang="es-ES" sz="1200" kern="1200" dirty="0">
+                          <a:solidFill>
+                            <a:schemeClr val="dk1"/>
+                          </a:solidFill>
+                          <a:latin typeface="Geist Mono" pitchFamily="2" charset="77"/>
+                          <a:ea typeface="Geist Mono" pitchFamily="2" charset="77"/>
+                          <a:cs typeface="Geist Mono" pitchFamily="2" charset="77"/>
+                        </a:rPr>
+                        <a:t>Comparamos la tasa de conversión de un sitio web después de una actualización. En este caso, tenemos 2 grupos. En el primero tendremos los usuarios que acceden a la web sin modificar y en el segundo grupo tenemos a los usuarios que acceden a la web modificada. Aquí, los usuarios que están en un grupo no están en el otro, es decir, son independientes.</a:t>
+                      </a:r>
+                      <a:endParaRPr lang="es-ES" sz="1200" dirty="0">
+                        <a:latin typeface="Geist Mono" pitchFamily="2" charset="77"/>
+                        <a:ea typeface="Geist Mono" pitchFamily="2" charset="77"/>
+                        <a:cs typeface="Geist Mono" pitchFamily="2" charset="77"/>
+                      </a:endParaRPr>
+                    </a:p>
+                  </a:txBody>
+                  <a:tcPr anchor="ctr">
+                    <a:lnL w="12700" cap="flat" cmpd="sng" algn="ctr">
+                      <a:solidFill>
+                        <a:schemeClr val="tx1"/>
+                      </a:solidFill>
+                      <a:prstDash val="solid"/>
+                      <a:round/>
+                      <a:headEnd type="none" w="med" len="med"/>
+                      <a:tailEnd type="none" w="med" len="med"/>
+                    </a:lnL>
+                    <a:lnR w="12700" cap="flat" cmpd="sng" algn="ctr">
+                      <a:solidFill>
+                        <a:schemeClr val="tx1"/>
+                      </a:solidFill>
+                      <a:prstDash val="solid"/>
+                      <a:round/>
+                      <a:headEnd type="none" w="med" len="med"/>
+                      <a:tailEnd type="none" w="med" len="med"/>
+                    </a:lnR>
+                    <a:lnT w="12700" cap="flat" cmpd="sng" algn="ctr">
+                      <a:solidFill>
+                        <a:schemeClr val="tx1"/>
+                      </a:solidFill>
+                      <a:prstDash val="solid"/>
+                      <a:round/>
+                      <a:headEnd type="none" w="med" len="med"/>
+                      <a:tailEnd type="none" w="med" len="med"/>
+                    </a:lnT>
+                    <a:lnB w="12700" cap="flat" cmpd="sng" algn="ctr">
+                      <a:solidFill>
+                        <a:schemeClr val="tx1"/>
+                      </a:solidFill>
+                      <a:prstDash val="solid"/>
+                      <a:round/>
+                      <a:headEnd type="none" w="med" len="med"/>
+                      <a:tailEnd type="none" w="med" len="med"/>
+                    </a:lnB>
+                  </a:tcPr>
+                </a:tc>
+                <a:extLst>
+                  <a:ext uri="{0D108BD9-81ED-4DB2-BD59-A6C34878D82A}">
+                    <a16:rowId xmlns:a16="http://schemas.microsoft.com/office/drawing/2014/main" val="2155399328"/>
+                  </a:ext>
+                </a:extLst>
+              </a:tr>
+            </a:tbl>
+          </a:graphicData>
+        </a:graphic>
+      </p:graphicFrame>
+    </p:spTree>
+    <p:extLst>
+      <p:ext uri="{BB962C8B-B14F-4D97-AF65-F5344CB8AC3E}">
+        <p14:creationId xmlns:p14="http://schemas.microsoft.com/office/powerpoint/2010/main" val="1356963166"/>
+      </p:ext>
+    </p:extLst>
+  </p:cSld>
+  <p:clrMapOvr>
+    <a:masterClrMapping/>
+  </p:clrMapOvr>
+</p:sld>
+</file>
+
 <file path=ppt/theme/theme1.xml><?xml version="1.0" encoding="utf-8"?>
 <a:theme xmlns:a="http://schemas.openxmlformats.org/drawingml/2006/main" name="Tema de Office">
   <a:themeElements>

--- a/02-Imagenes/A:B_Testing/PowerPointImagenes.pptx
+++ b/02-Imagenes/A:B_Testing/PowerPointImagenes.pptx
@@ -9,6 +9,7 @@
     <p:sldId id="257" r:id="rId3"/>
     <p:sldId id="258" r:id="rId4"/>
     <p:sldId id="259" r:id="rId5"/>
+    <p:sldId id="260" r:id="rId6"/>
   </p:sldIdLst>
   <p:sldSz cx="12192000" cy="6858000"/>
   <p:notesSz cx="6858000" cy="9144000"/>
@@ -262,7 +263,7 @@
           <a:p>
             <a:fld id="{ECC93CF6-D714-F742-B8F8-40E5DB92E388}" type="datetimeFigureOut">
               <a:rPr lang="es-ES" smtClean="0"/>
-              <a:t>13/5/24</a:t>
+              <a:t>22/5/24</a:t>
             </a:fld>
             <a:endParaRPr lang="es-ES" dirty="0"/>
           </a:p>
@@ -460,7 +461,7 @@
           <a:p>
             <a:fld id="{ECC93CF6-D714-F742-B8F8-40E5DB92E388}" type="datetimeFigureOut">
               <a:rPr lang="es-ES" smtClean="0"/>
-              <a:t>13/5/24</a:t>
+              <a:t>22/5/24</a:t>
             </a:fld>
             <a:endParaRPr lang="es-ES" dirty="0"/>
           </a:p>
@@ -668,7 +669,7 @@
           <a:p>
             <a:fld id="{ECC93CF6-D714-F742-B8F8-40E5DB92E388}" type="datetimeFigureOut">
               <a:rPr lang="es-ES" smtClean="0"/>
-              <a:t>13/5/24</a:t>
+              <a:t>22/5/24</a:t>
             </a:fld>
             <a:endParaRPr lang="es-ES" dirty="0"/>
           </a:p>
@@ -866,7 +867,7 @@
           <a:p>
             <a:fld id="{ECC93CF6-D714-F742-B8F8-40E5DB92E388}" type="datetimeFigureOut">
               <a:rPr lang="es-ES" smtClean="0"/>
-              <a:t>13/5/24</a:t>
+              <a:t>22/5/24</a:t>
             </a:fld>
             <a:endParaRPr lang="es-ES" dirty="0"/>
           </a:p>
@@ -1141,7 +1142,7 @@
           <a:p>
             <a:fld id="{ECC93CF6-D714-F742-B8F8-40E5DB92E388}" type="datetimeFigureOut">
               <a:rPr lang="es-ES" smtClean="0"/>
-              <a:t>13/5/24</a:t>
+              <a:t>22/5/24</a:t>
             </a:fld>
             <a:endParaRPr lang="es-ES" dirty="0"/>
           </a:p>
@@ -1406,7 +1407,7 @@
           <a:p>
             <a:fld id="{ECC93CF6-D714-F742-B8F8-40E5DB92E388}" type="datetimeFigureOut">
               <a:rPr lang="es-ES" smtClean="0"/>
-              <a:t>13/5/24</a:t>
+              <a:t>22/5/24</a:t>
             </a:fld>
             <a:endParaRPr lang="es-ES" dirty="0"/>
           </a:p>
@@ -1818,7 +1819,7 @@
           <a:p>
             <a:fld id="{ECC93CF6-D714-F742-B8F8-40E5DB92E388}" type="datetimeFigureOut">
               <a:rPr lang="es-ES" smtClean="0"/>
-              <a:t>13/5/24</a:t>
+              <a:t>22/5/24</a:t>
             </a:fld>
             <a:endParaRPr lang="es-ES" dirty="0"/>
           </a:p>
@@ -1959,7 +1960,7 @@
           <a:p>
             <a:fld id="{ECC93CF6-D714-F742-B8F8-40E5DB92E388}" type="datetimeFigureOut">
               <a:rPr lang="es-ES" smtClean="0"/>
-              <a:t>13/5/24</a:t>
+              <a:t>22/5/24</a:t>
             </a:fld>
             <a:endParaRPr lang="es-ES" dirty="0"/>
           </a:p>
@@ -2072,7 +2073,7 @@
           <a:p>
             <a:fld id="{ECC93CF6-D714-F742-B8F8-40E5DB92E388}" type="datetimeFigureOut">
               <a:rPr lang="es-ES" smtClean="0"/>
-              <a:t>13/5/24</a:t>
+              <a:t>22/5/24</a:t>
             </a:fld>
             <a:endParaRPr lang="es-ES" dirty="0"/>
           </a:p>
@@ -2383,7 +2384,7 @@
           <a:p>
             <a:fld id="{ECC93CF6-D714-F742-B8F8-40E5DB92E388}" type="datetimeFigureOut">
               <a:rPr lang="es-ES" smtClean="0"/>
-              <a:t>13/5/24</a:t>
+              <a:t>22/5/24</a:t>
             </a:fld>
             <a:endParaRPr lang="es-ES" dirty="0"/>
           </a:p>
@@ -2671,7 +2672,7 @@
           <a:p>
             <a:fld id="{ECC93CF6-D714-F742-B8F8-40E5DB92E388}" type="datetimeFigureOut">
               <a:rPr lang="es-ES" smtClean="0"/>
-              <a:t>13/5/24</a:t>
+              <a:t>22/5/24</a:t>
             </a:fld>
             <a:endParaRPr lang="es-ES" dirty="0"/>
           </a:p>
@@ -2912,7 +2913,7 @@
           <a:p>
             <a:fld id="{ECC93CF6-D714-F742-B8F8-40E5DB92E388}" type="datetimeFigureOut">
               <a:rPr lang="es-ES" smtClean="0"/>
-              <a:t>13/5/24</a:t>
+              <a:t>22/5/24</a:t>
             </a:fld>
             <a:endParaRPr lang="es-ES" dirty="0"/>
           </a:p>
@@ -8490,6 +8491,1096 @@
 </p:sld>
 </file>
 
+<file path=ppt/slides/slide5.xml><?xml version="1.0" encoding="utf-8"?>
+<p:sld xmlns:a="http://schemas.openxmlformats.org/drawingml/2006/main" xmlns:r="http://schemas.openxmlformats.org/officeDocument/2006/relationships" xmlns:p="http://schemas.openxmlformats.org/presentationml/2006/main">
+  <p:cSld>
+    <p:spTree>
+      <p:nvGrpSpPr>
+        <p:cNvPr id="1" name=""/>
+        <p:cNvGrpSpPr/>
+        <p:nvPr/>
+      </p:nvGrpSpPr>
+      <p:grpSpPr>
+        <a:xfrm>
+          <a:off x="0" y="0"/>
+          <a:ext cx="0" cy="0"/>
+          <a:chOff x="0" y="0"/>
+          <a:chExt cx="0" cy="0"/>
+        </a:xfrm>
+      </p:grpSpPr>
+      <p:graphicFrame>
+        <p:nvGraphicFramePr>
+          <p:cNvPr id="4" name="Marcador de contenido 3">
+            <a:extLst>
+              <a:ext uri="{FF2B5EF4-FFF2-40B4-BE49-F238E27FC236}">
+                <a16:creationId xmlns:a16="http://schemas.microsoft.com/office/drawing/2014/main" id="{20A25E4D-C1E0-BBD1-3FAB-E71A5ADE5209}"/>
+              </a:ext>
+            </a:extLst>
+          </p:cNvPr>
+          <p:cNvGraphicFramePr>
+            <a:graphicFrameLocks noGrp="1"/>
+          </p:cNvGraphicFramePr>
+          <p:nvPr>
+            <p:ph idx="1"/>
+            <p:extLst>
+              <p:ext uri="{D42A27DB-BD31-4B8C-83A1-F6EECF244321}">
+                <p14:modId xmlns:p14="http://schemas.microsoft.com/office/powerpoint/2010/main" val="561566554"/>
+              </p:ext>
+            </p:extLst>
+          </p:nvPr>
+        </p:nvGraphicFramePr>
+        <p:xfrm>
+          <a:off x="1181631" y="820420"/>
+          <a:ext cx="9509760" cy="4765040"/>
+        </p:xfrm>
+        <a:graphic>
+          <a:graphicData uri="http://schemas.openxmlformats.org/drawingml/2006/table">
+            <a:tbl>
+              <a:tblPr firstRow="1">
+                <a:tableStyleId>{91EBBBCC-DAD2-459C-BE2E-F6DE35CF9A28}</a:tableStyleId>
+              </a:tblPr>
+              <a:tblGrid>
+                <a:gridCol w="2377440">
+                  <a:extLst>
+                    <a:ext uri="{9D8B030D-6E8A-4147-A177-3AD203B41FA5}">
+                      <a16:colId xmlns:a16="http://schemas.microsoft.com/office/drawing/2014/main" val="1417250188"/>
+                    </a:ext>
+                  </a:extLst>
+                </a:gridCol>
+                <a:gridCol w="2377440">
+                  <a:extLst>
+                    <a:ext uri="{9D8B030D-6E8A-4147-A177-3AD203B41FA5}">
+                      <a16:colId xmlns:a16="http://schemas.microsoft.com/office/drawing/2014/main" val="393863482"/>
+                    </a:ext>
+                  </a:extLst>
+                </a:gridCol>
+                <a:gridCol w="2377440">
+                  <a:extLst>
+                    <a:ext uri="{9D8B030D-6E8A-4147-A177-3AD203B41FA5}">
+                      <a16:colId xmlns:a16="http://schemas.microsoft.com/office/drawing/2014/main" val="3856336415"/>
+                    </a:ext>
+                  </a:extLst>
+                </a:gridCol>
+                <a:gridCol w="2377440">
+                  <a:extLst>
+                    <a:ext uri="{9D8B030D-6E8A-4147-A177-3AD203B41FA5}">
+                      <a16:colId xmlns:a16="http://schemas.microsoft.com/office/drawing/2014/main" val="1284552978"/>
+                    </a:ext>
+                  </a:extLst>
+                </a:gridCol>
+              </a:tblGrid>
+              <a:tr h="370840">
+                <a:tc>
+                  <a:txBody>
+                    <a:bodyPr/>
+                    <a:lstStyle/>
+                    <a:p>
+                      <a:pPr algn="ctr"/>
+                      <a:endParaRPr lang="es-ES" sz="1400" dirty="0">
+                        <a:latin typeface="Geist Mono" pitchFamily="2" charset="77"/>
+                        <a:ea typeface="Geist Mono" pitchFamily="2" charset="77"/>
+                        <a:cs typeface="Geist Mono" pitchFamily="2" charset="77"/>
+                      </a:endParaRPr>
+                    </a:p>
+                  </a:txBody>
+                  <a:tcPr anchor="ctr">
+                    <a:lnL w="12700" cap="flat" cmpd="sng" algn="ctr">
+                      <a:solidFill>
+                        <a:schemeClr val="tx1"/>
+                      </a:solidFill>
+                      <a:prstDash val="solid"/>
+                      <a:round/>
+                      <a:headEnd type="none" w="med" len="med"/>
+                      <a:tailEnd type="none" w="med" len="med"/>
+                    </a:lnL>
+                    <a:lnR w="12700" cap="flat" cmpd="sng" algn="ctr">
+                      <a:solidFill>
+                        <a:schemeClr val="tx1"/>
+                      </a:solidFill>
+                      <a:prstDash val="solid"/>
+                      <a:round/>
+                      <a:headEnd type="none" w="med" len="med"/>
+                      <a:tailEnd type="none" w="med" len="med"/>
+                    </a:lnR>
+                    <a:lnT w="12700" cap="flat" cmpd="sng" algn="ctr">
+                      <a:solidFill>
+                        <a:schemeClr val="tx1"/>
+                      </a:solidFill>
+                      <a:prstDash val="solid"/>
+                      <a:round/>
+                      <a:headEnd type="none" w="med" len="med"/>
+                      <a:tailEnd type="none" w="med" len="med"/>
+                    </a:lnT>
+                    <a:lnB w="12700" cap="flat" cmpd="sng" algn="ctr">
+                      <a:solidFill>
+                        <a:schemeClr val="tx1"/>
+                      </a:solidFill>
+                      <a:prstDash val="solid"/>
+                      <a:round/>
+                      <a:headEnd type="none" w="med" len="med"/>
+                      <a:tailEnd type="none" w="med" len="med"/>
+                    </a:lnB>
+                  </a:tcPr>
+                </a:tc>
+                <a:tc>
+                  <a:txBody>
+                    <a:bodyPr/>
+                    <a:lstStyle/>
+                    <a:p>
+                      <a:pPr marL="0" marR="0" lvl="0" indent="0" algn="ctr" defTabSz="914400" rtl="0" eaLnBrk="1" fontAlgn="auto" latinLnBrk="0" hangingPunct="1">
+                        <a:lnSpc>
+                          <a:spcPct val="100000"/>
+                        </a:lnSpc>
+                        <a:spcBef>
+                          <a:spcPts val="0"/>
+                        </a:spcBef>
+                        <a:spcAft>
+                          <a:spcPts val="0"/>
+                        </a:spcAft>
+                        <a:buClrTx/>
+                        <a:buSzTx/>
+                        <a:buFontTx/>
+                        <a:buNone/>
+                        <a:tabLst/>
+                        <a:defRPr/>
+                      </a:pPr>
+                      <a:r>
+                        <a:rPr lang="es-ES" sz="1400" b="1" kern="1200" dirty="0">
+                          <a:solidFill>
+                            <a:schemeClr val="lt1"/>
+                          </a:solidFill>
+                          <a:latin typeface="Geist Mono Bold" pitchFamily="2" charset="77"/>
+                          <a:ea typeface="Geist Mono Bold" pitchFamily="2" charset="77"/>
+                          <a:cs typeface="Geist Mono Bold" pitchFamily="2" charset="77"/>
+                        </a:rPr>
+                        <a:t>Mann-Whitney</a:t>
+                      </a:r>
+                      <a:r>
+                        <a:rPr lang="es-ES" sz="1800" b="1" kern="1200" dirty="0">
+                          <a:solidFill>
+                            <a:schemeClr val="lt1"/>
+                          </a:solidFill>
+                          <a:effectLst/>
+                          <a:latin typeface="+mn-lt"/>
+                          <a:ea typeface="+mn-ea"/>
+                          <a:cs typeface="+mn-cs"/>
+                        </a:rPr>
+                        <a:t> </a:t>
+                      </a:r>
+                      <a:r>
+                        <a:rPr lang="es-ES" sz="1400" b="1" kern="1200" dirty="0">
+                          <a:solidFill>
+                            <a:schemeClr val="lt1"/>
+                          </a:solidFill>
+                          <a:latin typeface="Geist Mono Bold" pitchFamily="2" charset="77"/>
+                          <a:ea typeface="Geist Mono Bold" pitchFamily="2" charset="77"/>
+                          <a:cs typeface="Geist Mono Bold" pitchFamily="2" charset="77"/>
+                        </a:rPr>
+                        <a:t>U</a:t>
+                      </a:r>
+                    </a:p>
+                  </a:txBody>
+                  <a:tcPr anchor="ctr">
+                    <a:lnL w="12700" cap="flat" cmpd="sng" algn="ctr">
+                      <a:solidFill>
+                        <a:schemeClr val="tx1"/>
+                      </a:solidFill>
+                      <a:prstDash val="solid"/>
+                      <a:round/>
+                      <a:headEnd type="none" w="med" len="med"/>
+                      <a:tailEnd type="none" w="med" len="med"/>
+                    </a:lnL>
+                    <a:lnR w="12700" cap="flat" cmpd="sng" algn="ctr">
+                      <a:solidFill>
+                        <a:schemeClr val="tx1"/>
+                      </a:solidFill>
+                      <a:prstDash val="solid"/>
+                      <a:round/>
+                      <a:headEnd type="none" w="med" len="med"/>
+                      <a:tailEnd type="none" w="med" len="med"/>
+                    </a:lnR>
+                    <a:lnT w="12700" cap="flat" cmpd="sng" algn="ctr">
+                      <a:solidFill>
+                        <a:schemeClr val="tx1"/>
+                      </a:solidFill>
+                      <a:prstDash val="solid"/>
+                      <a:round/>
+                      <a:headEnd type="none" w="med" len="med"/>
+                      <a:tailEnd type="none" w="med" len="med"/>
+                    </a:lnT>
+                    <a:lnB w="12700" cap="flat" cmpd="sng" algn="ctr">
+                      <a:solidFill>
+                        <a:schemeClr val="tx1"/>
+                      </a:solidFill>
+                      <a:prstDash val="solid"/>
+                      <a:round/>
+                      <a:headEnd type="none" w="med" len="med"/>
+                      <a:tailEnd type="none" w="med" len="med"/>
+                    </a:lnB>
+                  </a:tcPr>
+                </a:tc>
+                <a:tc>
+                  <a:txBody>
+                    <a:bodyPr/>
+                    <a:lstStyle/>
+                    <a:p>
+                      <a:pPr algn="ctr"/>
+                      <a:r>
+                        <a:rPr lang="es-ES" sz="1400" dirty="0">
+                          <a:latin typeface="Geist Mono" pitchFamily="2" charset="77"/>
+                          <a:ea typeface="Geist Mono" pitchFamily="2" charset="77"/>
+                          <a:cs typeface="Geist Mono" pitchFamily="2" charset="77"/>
+                        </a:rPr>
+                        <a:t>Wilcoxon</a:t>
+                      </a:r>
+                    </a:p>
+                  </a:txBody>
+                  <a:tcPr anchor="ctr">
+                    <a:lnL w="12700" cap="flat" cmpd="sng" algn="ctr">
+                      <a:solidFill>
+                        <a:schemeClr val="tx1"/>
+                      </a:solidFill>
+                      <a:prstDash val="solid"/>
+                      <a:round/>
+                      <a:headEnd type="none" w="med" len="med"/>
+                      <a:tailEnd type="none" w="med" len="med"/>
+                    </a:lnL>
+                    <a:lnR w="12700" cap="flat" cmpd="sng" algn="ctr">
+                      <a:solidFill>
+                        <a:schemeClr val="tx1"/>
+                      </a:solidFill>
+                      <a:prstDash val="solid"/>
+                      <a:round/>
+                      <a:headEnd type="none" w="med" len="med"/>
+                      <a:tailEnd type="none" w="med" len="med"/>
+                    </a:lnR>
+                    <a:lnT w="12700" cap="flat" cmpd="sng" algn="ctr">
+                      <a:solidFill>
+                        <a:schemeClr val="tx1"/>
+                      </a:solidFill>
+                      <a:prstDash val="solid"/>
+                      <a:round/>
+                      <a:headEnd type="none" w="med" len="med"/>
+                      <a:tailEnd type="none" w="med" len="med"/>
+                    </a:lnT>
+                    <a:lnB w="12700" cap="flat" cmpd="sng" algn="ctr">
+                      <a:solidFill>
+                        <a:schemeClr val="tx1"/>
+                      </a:solidFill>
+                      <a:prstDash val="solid"/>
+                      <a:round/>
+                      <a:headEnd type="none" w="med" len="med"/>
+                      <a:tailEnd type="none" w="med" len="med"/>
+                    </a:lnB>
+                  </a:tcPr>
+                </a:tc>
+                <a:tc>
+                  <a:txBody>
+                    <a:bodyPr/>
+                    <a:lstStyle/>
+                    <a:p>
+                      <a:pPr marL="0" marR="0" lvl="0" indent="0" algn="ctr" defTabSz="914400" rtl="0" eaLnBrk="1" fontAlgn="auto" latinLnBrk="0" hangingPunct="1">
+                        <a:lnSpc>
+                          <a:spcPct val="100000"/>
+                        </a:lnSpc>
+                        <a:spcBef>
+                          <a:spcPts val="0"/>
+                        </a:spcBef>
+                        <a:spcAft>
+                          <a:spcPts val="0"/>
+                        </a:spcAft>
+                        <a:buClrTx/>
+                        <a:buSzTx/>
+                        <a:buFontTx/>
+                        <a:buNone/>
+                        <a:tabLst/>
+                        <a:defRPr/>
+                      </a:pPr>
+                      <a:r>
+                        <a:rPr lang="es-ES" sz="1400" b="1" kern="1200" dirty="0">
+                          <a:solidFill>
+                            <a:schemeClr val="lt1"/>
+                          </a:solidFill>
+                          <a:latin typeface="Geist Mono Bold" pitchFamily="2" charset="77"/>
+                          <a:ea typeface="Geist Mono Bold" pitchFamily="2" charset="77"/>
+                          <a:cs typeface="Geist Mono Bold" pitchFamily="2" charset="77"/>
+                        </a:rPr>
+                        <a:t>Kruskal-Wallis</a:t>
+                      </a:r>
+                      <a:r>
+                        <a:rPr lang="es-ES" sz="1800" b="1" kern="1200" dirty="0">
+                          <a:solidFill>
+                            <a:schemeClr val="lt1"/>
+                          </a:solidFill>
+                          <a:effectLst/>
+                          <a:latin typeface="+mn-lt"/>
+                          <a:ea typeface="+mn-ea"/>
+                          <a:cs typeface="+mn-cs"/>
+                        </a:rPr>
+                        <a:t> </a:t>
+                      </a:r>
+                    </a:p>
+                  </a:txBody>
+                  <a:tcPr anchor="ctr">
+                    <a:lnL w="12700" cap="flat" cmpd="sng" algn="ctr">
+                      <a:solidFill>
+                        <a:schemeClr val="tx1"/>
+                      </a:solidFill>
+                      <a:prstDash val="solid"/>
+                      <a:round/>
+                      <a:headEnd type="none" w="med" len="med"/>
+                      <a:tailEnd type="none" w="med" len="med"/>
+                    </a:lnL>
+                    <a:lnR w="12700" cap="flat" cmpd="sng" algn="ctr">
+                      <a:solidFill>
+                        <a:schemeClr val="tx1"/>
+                      </a:solidFill>
+                      <a:prstDash val="solid"/>
+                      <a:round/>
+                      <a:headEnd type="none" w="med" len="med"/>
+                      <a:tailEnd type="none" w="med" len="med"/>
+                    </a:lnR>
+                    <a:lnT w="12700" cap="flat" cmpd="sng" algn="ctr">
+                      <a:solidFill>
+                        <a:schemeClr val="tx1"/>
+                      </a:solidFill>
+                      <a:prstDash val="solid"/>
+                      <a:round/>
+                      <a:headEnd type="none" w="med" len="med"/>
+                      <a:tailEnd type="none" w="med" len="med"/>
+                    </a:lnT>
+                    <a:lnB w="12700" cap="flat" cmpd="sng" algn="ctr">
+                      <a:solidFill>
+                        <a:schemeClr val="tx1"/>
+                      </a:solidFill>
+                      <a:prstDash val="solid"/>
+                      <a:round/>
+                      <a:headEnd type="none" w="med" len="med"/>
+                      <a:tailEnd type="none" w="med" len="med"/>
+                    </a:lnB>
+                  </a:tcPr>
+                </a:tc>
+                <a:extLst>
+                  <a:ext uri="{0D108BD9-81ED-4DB2-BD59-A6C34878D82A}">
+                    <a16:rowId xmlns:a16="http://schemas.microsoft.com/office/drawing/2014/main" val="1688665177"/>
+                  </a:ext>
+                </a:extLst>
+              </a:tr>
+              <a:tr h="370840">
+                <a:tc>
+                  <a:txBody>
+                    <a:bodyPr/>
+                    <a:lstStyle/>
+                    <a:p>
+                      <a:pPr algn="ctr"/>
+                      <a:r>
+                        <a:rPr lang="es-ES" sz="1200" b="1" dirty="0">
+                          <a:latin typeface="Geist Mono Bold" pitchFamily="2" charset="77"/>
+                          <a:ea typeface="Geist Mono Bold" pitchFamily="2" charset="77"/>
+                          <a:cs typeface="Geist Mono Bold" pitchFamily="2" charset="77"/>
+                        </a:rPr>
+                        <a:t>Qué hace</a:t>
+                      </a:r>
+                    </a:p>
+                  </a:txBody>
+                  <a:tcPr anchor="ctr">
+                    <a:lnL w="12700" cap="flat" cmpd="sng" algn="ctr">
+                      <a:solidFill>
+                        <a:schemeClr val="tx1"/>
+                      </a:solidFill>
+                      <a:prstDash val="solid"/>
+                      <a:round/>
+                      <a:headEnd type="none" w="med" len="med"/>
+                      <a:tailEnd type="none" w="med" len="med"/>
+                    </a:lnL>
+                    <a:lnR w="12700" cap="flat" cmpd="sng" algn="ctr">
+                      <a:solidFill>
+                        <a:schemeClr val="tx1"/>
+                      </a:solidFill>
+                      <a:prstDash val="solid"/>
+                      <a:round/>
+                      <a:headEnd type="none" w="med" len="med"/>
+                      <a:tailEnd type="none" w="med" len="med"/>
+                    </a:lnR>
+                    <a:lnT w="12700" cap="flat" cmpd="sng" algn="ctr">
+                      <a:solidFill>
+                        <a:schemeClr val="tx1"/>
+                      </a:solidFill>
+                      <a:prstDash val="solid"/>
+                      <a:round/>
+                      <a:headEnd type="none" w="med" len="med"/>
+                      <a:tailEnd type="none" w="med" len="med"/>
+                    </a:lnT>
+                    <a:lnB w="12700" cap="flat" cmpd="sng" algn="ctr">
+                      <a:solidFill>
+                        <a:schemeClr val="tx1"/>
+                      </a:solidFill>
+                      <a:prstDash val="solid"/>
+                      <a:round/>
+                      <a:headEnd type="none" w="med" len="med"/>
+                      <a:tailEnd type="none" w="med" len="med"/>
+                    </a:lnB>
+                  </a:tcPr>
+                </a:tc>
+                <a:tc>
+                  <a:txBody>
+                    <a:bodyPr/>
+                    <a:lstStyle/>
+                    <a:p>
+                      <a:pPr marL="0" algn="ctr" defTabSz="914400" rtl="0" eaLnBrk="1" latinLnBrk="0" hangingPunct="1"/>
+                      <a:r>
+                        <a:rPr lang="es-ES" sz="1200" kern="1200" dirty="0">
+                          <a:solidFill>
+                            <a:schemeClr val="dk1"/>
+                          </a:solidFill>
+                          <a:latin typeface="Geist Mono" pitchFamily="2" charset="77"/>
+                          <a:ea typeface="Geist Mono" pitchFamily="2" charset="77"/>
+                          <a:cs typeface="Geist Mono" pitchFamily="2" charset="77"/>
+                        </a:rPr>
+                        <a:t>Comparar 2 grupos independientes. En los dos grupos NO TIENE porque haber el mismo número de valores.</a:t>
+                      </a:r>
+                    </a:p>
+                  </a:txBody>
+                  <a:tcPr anchor="ctr">
+                    <a:lnL w="12700" cap="flat" cmpd="sng" algn="ctr">
+                      <a:solidFill>
+                        <a:schemeClr val="tx1"/>
+                      </a:solidFill>
+                      <a:prstDash val="solid"/>
+                      <a:round/>
+                      <a:headEnd type="none" w="med" len="med"/>
+                      <a:tailEnd type="none" w="med" len="med"/>
+                    </a:lnL>
+                    <a:lnR w="12700" cap="flat" cmpd="sng" algn="ctr">
+                      <a:solidFill>
+                        <a:schemeClr val="tx1"/>
+                      </a:solidFill>
+                      <a:prstDash val="solid"/>
+                      <a:round/>
+                      <a:headEnd type="none" w="med" len="med"/>
+                      <a:tailEnd type="none" w="med" len="med"/>
+                    </a:lnR>
+                    <a:lnT w="12700" cap="flat" cmpd="sng" algn="ctr">
+                      <a:solidFill>
+                        <a:schemeClr val="tx1"/>
+                      </a:solidFill>
+                      <a:prstDash val="solid"/>
+                      <a:round/>
+                      <a:headEnd type="none" w="med" len="med"/>
+                      <a:tailEnd type="none" w="med" len="med"/>
+                    </a:lnT>
+                    <a:lnB w="12700" cap="flat" cmpd="sng" algn="ctr">
+                      <a:solidFill>
+                        <a:schemeClr val="tx1"/>
+                      </a:solidFill>
+                      <a:prstDash val="solid"/>
+                      <a:round/>
+                      <a:headEnd type="none" w="med" len="med"/>
+                      <a:tailEnd type="none" w="med" len="med"/>
+                    </a:lnB>
+                  </a:tcPr>
+                </a:tc>
+                <a:tc>
+                  <a:txBody>
+                    <a:bodyPr/>
+                    <a:lstStyle/>
+                    <a:p>
+                      <a:pPr algn="ctr"/>
+                      <a:r>
+                        <a:rPr lang="es-ES" sz="1200" kern="1200" dirty="0">
+                          <a:solidFill>
+                            <a:schemeClr val="dk1"/>
+                          </a:solidFill>
+                          <a:latin typeface="Geist Mono" pitchFamily="2" charset="77"/>
+                          <a:ea typeface="Geist Mono" pitchFamily="2" charset="77"/>
+                          <a:cs typeface="Geist Mono" pitchFamily="2" charset="77"/>
+                        </a:rPr>
+                        <a:t>Compara dos muestras relacionadas cuando los datos no son normalmente distribuidos. En los grupos TIENE porque haber el mismo número de valores.</a:t>
+                      </a:r>
+                    </a:p>
+                  </a:txBody>
+                  <a:tcPr anchor="ctr">
+                    <a:lnL w="12700" cap="flat" cmpd="sng" algn="ctr">
+                      <a:solidFill>
+                        <a:schemeClr val="tx1"/>
+                      </a:solidFill>
+                      <a:prstDash val="solid"/>
+                      <a:round/>
+                      <a:headEnd type="none" w="med" len="med"/>
+                      <a:tailEnd type="none" w="med" len="med"/>
+                    </a:lnL>
+                    <a:lnR w="12700" cap="flat" cmpd="sng" algn="ctr">
+                      <a:solidFill>
+                        <a:schemeClr val="tx1"/>
+                      </a:solidFill>
+                      <a:prstDash val="solid"/>
+                      <a:round/>
+                      <a:headEnd type="none" w="med" len="med"/>
+                      <a:tailEnd type="none" w="med" len="med"/>
+                    </a:lnR>
+                    <a:lnT w="12700" cap="flat" cmpd="sng" algn="ctr">
+                      <a:solidFill>
+                        <a:schemeClr val="tx1"/>
+                      </a:solidFill>
+                      <a:prstDash val="solid"/>
+                      <a:round/>
+                      <a:headEnd type="none" w="med" len="med"/>
+                      <a:tailEnd type="none" w="med" len="med"/>
+                    </a:lnT>
+                    <a:lnB w="12700" cap="flat" cmpd="sng" algn="ctr">
+                      <a:solidFill>
+                        <a:schemeClr val="tx1"/>
+                      </a:solidFill>
+                      <a:prstDash val="solid"/>
+                      <a:round/>
+                      <a:headEnd type="none" w="med" len="med"/>
+                      <a:tailEnd type="none" w="med" len="med"/>
+                    </a:lnB>
+                  </a:tcPr>
+                </a:tc>
+                <a:tc>
+                  <a:txBody>
+                    <a:bodyPr/>
+                    <a:lstStyle/>
+                    <a:p>
+                      <a:pPr algn="ctr"/>
+                      <a:r>
+                        <a:rPr lang="es-ES" sz="1200" kern="1200" dirty="0">
+                          <a:solidFill>
+                            <a:schemeClr val="dk1"/>
+                          </a:solidFill>
+                          <a:latin typeface="Geist Mono" pitchFamily="2" charset="77"/>
+                          <a:ea typeface="Geist Mono" pitchFamily="2" charset="77"/>
+                          <a:cs typeface="Geist Mono" pitchFamily="2" charset="77"/>
+                        </a:rPr>
+                        <a:t>Compara más de dos grupos independientes cuando los datos no son normalmente distribuidos. Los grupos no tienen por qué tener el mismo número de valores.</a:t>
+                      </a:r>
+                    </a:p>
+                  </a:txBody>
+                  <a:tcPr anchor="ctr">
+                    <a:lnL w="12700" cap="flat" cmpd="sng" algn="ctr">
+                      <a:solidFill>
+                        <a:schemeClr val="tx1"/>
+                      </a:solidFill>
+                      <a:prstDash val="solid"/>
+                      <a:round/>
+                      <a:headEnd type="none" w="med" len="med"/>
+                      <a:tailEnd type="none" w="med" len="med"/>
+                    </a:lnL>
+                    <a:lnR w="12700" cap="flat" cmpd="sng" algn="ctr">
+                      <a:solidFill>
+                        <a:schemeClr val="tx1"/>
+                      </a:solidFill>
+                      <a:prstDash val="solid"/>
+                      <a:round/>
+                      <a:headEnd type="none" w="med" len="med"/>
+                      <a:tailEnd type="none" w="med" len="med"/>
+                    </a:lnR>
+                    <a:lnT w="12700" cap="flat" cmpd="sng" algn="ctr">
+                      <a:solidFill>
+                        <a:schemeClr val="tx1"/>
+                      </a:solidFill>
+                      <a:prstDash val="solid"/>
+                      <a:round/>
+                      <a:headEnd type="none" w="med" len="med"/>
+                      <a:tailEnd type="none" w="med" len="med"/>
+                    </a:lnT>
+                    <a:lnB w="12700" cap="flat" cmpd="sng" algn="ctr">
+                      <a:solidFill>
+                        <a:schemeClr val="tx1"/>
+                      </a:solidFill>
+                      <a:prstDash val="solid"/>
+                      <a:round/>
+                      <a:headEnd type="none" w="med" len="med"/>
+                      <a:tailEnd type="none" w="med" len="med"/>
+                    </a:lnB>
+                  </a:tcPr>
+                </a:tc>
+                <a:extLst>
+                  <a:ext uri="{0D108BD9-81ED-4DB2-BD59-A6C34878D82A}">
+                    <a16:rowId xmlns:a16="http://schemas.microsoft.com/office/drawing/2014/main" val="1411555459"/>
+                  </a:ext>
+                </a:extLst>
+              </a:tr>
+              <a:tr h="370840">
+                <a:tc>
+                  <a:txBody>
+                    <a:bodyPr/>
+                    <a:lstStyle/>
+                    <a:p>
+                      <a:pPr algn="ctr"/>
+                      <a:r>
+                        <a:rPr lang="es-ES" sz="1200" b="1">
+                          <a:latin typeface="Geist Mono Bold" pitchFamily="2" charset="77"/>
+                          <a:ea typeface="Geist Mono Bold" pitchFamily="2" charset="77"/>
+                          <a:cs typeface="Geist Mono Bold" pitchFamily="2" charset="77"/>
+                        </a:rPr>
+                        <a:t>Limitaciones</a:t>
+                      </a:r>
+                      <a:endParaRPr lang="es-ES" sz="1200" b="1" dirty="0">
+                        <a:latin typeface="Geist Mono Bold" pitchFamily="2" charset="77"/>
+                        <a:ea typeface="Geist Mono Bold" pitchFamily="2" charset="77"/>
+                        <a:cs typeface="Geist Mono Bold" pitchFamily="2" charset="77"/>
+                      </a:endParaRPr>
+                    </a:p>
+                  </a:txBody>
+                  <a:tcPr anchor="ctr">
+                    <a:lnL w="12700" cap="flat" cmpd="sng" algn="ctr">
+                      <a:solidFill>
+                        <a:schemeClr val="tx1"/>
+                      </a:solidFill>
+                      <a:prstDash val="solid"/>
+                      <a:round/>
+                      <a:headEnd type="none" w="med" len="med"/>
+                      <a:tailEnd type="none" w="med" len="med"/>
+                    </a:lnL>
+                    <a:lnR w="12700" cap="flat" cmpd="sng" algn="ctr">
+                      <a:solidFill>
+                        <a:schemeClr val="tx1"/>
+                      </a:solidFill>
+                      <a:prstDash val="solid"/>
+                      <a:round/>
+                      <a:headEnd type="none" w="med" len="med"/>
+                      <a:tailEnd type="none" w="med" len="med"/>
+                    </a:lnR>
+                    <a:lnT w="12700" cap="flat" cmpd="sng" algn="ctr">
+                      <a:solidFill>
+                        <a:schemeClr val="tx1"/>
+                      </a:solidFill>
+                      <a:prstDash val="solid"/>
+                      <a:round/>
+                      <a:headEnd type="none" w="med" len="med"/>
+                      <a:tailEnd type="none" w="med" len="med"/>
+                    </a:lnT>
+                    <a:lnB w="12700" cap="flat" cmpd="sng" algn="ctr">
+                      <a:solidFill>
+                        <a:schemeClr val="tx1"/>
+                      </a:solidFill>
+                      <a:prstDash val="solid"/>
+                      <a:round/>
+                      <a:headEnd type="none" w="med" len="med"/>
+                      <a:tailEnd type="none" w="med" len="med"/>
+                    </a:lnB>
+                  </a:tcPr>
+                </a:tc>
+                <a:tc>
+                  <a:txBody>
+                    <a:bodyPr/>
+                    <a:lstStyle/>
+                    <a:p>
+                      <a:pPr marL="0" algn="ctr" defTabSz="914400" rtl="0" eaLnBrk="1" latinLnBrk="0" hangingPunct="1"/>
+                      <a:endParaRPr lang="es-ES" sz="1200" kern="1200" dirty="0">
+                        <a:solidFill>
+                          <a:schemeClr val="dk1"/>
+                        </a:solidFill>
+                        <a:latin typeface="Geist Mono" pitchFamily="2" charset="77"/>
+                        <a:ea typeface="Geist Mono" pitchFamily="2" charset="77"/>
+                        <a:cs typeface="Geist Mono" pitchFamily="2" charset="77"/>
+                      </a:endParaRPr>
+                    </a:p>
+                  </a:txBody>
+                  <a:tcPr anchor="ctr">
+                    <a:lnL w="12700" cap="flat" cmpd="sng" algn="ctr">
+                      <a:solidFill>
+                        <a:schemeClr val="tx1"/>
+                      </a:solidFill>
+                      <a:prstDash val="solid"/>
+                      <a:round/>
+                      <a:headEnd type="none" w="med" len="med"/>
+                      <a:tailEnd type="none" w="med" len="med"/>
+                    </a:lnL>
+                    <a:lnR w="12700" cap="flat" cmpd="sng" algn="ctr">
+                      <a:solidFill>
+                        <a:schemeClr val="tx1"/>
+                      </a:solidFill>
+                      <a:prstDash val="solid"/>
+                      <a:round/>
+                      <a:headEnd type="none" w="med" len="med"/>
+                      <a:tailEnd type="none" w="med" len="med"/>
+                    </a:lnR>
+                    <a:lnT w="12700" cap="flat" cmpd="sng" algn="ctr">
+                      <a:solidFill>
+                        <a:schemeClr val="tx1"/>
+                      </a:solidFill>
+                      <a:prstDash val="solid"/>
+                      <a:round/>
+                      <a:headEnd type="none" w="med" len="med"/>
+                      <a:tailEnd type="none" w="med" len="med"/>
+                    </a:lnT>
+                    <a:lnB w="12700" cap="flat" cmpd="sng" algn="ctr">
+                      <a:solidFill>
+                        <a:schemeClr val="tx1"/>
+                      </a:solidFill>
+                      <a:prstDash val="solid"/>
+                      <a:round/>
+                      <a:headEnd type="none" w="med" len="med"/>
+                      <a:tailEnd type="none" w="med" len="med"/>
+                    </a:lnB>
+                  </a:tcPr>
+                </a:tc>
+                <a:tc>
+                  <a:txBody>
+                    <a:bodyPr/>
+                    <a:lstStyle/>
+                    <a:p>
+                      <a:pPr algn="ctr"/>
+                      <a:endParaRPr lang="es-ES" sz="1200" kern="1200" dirty="0">
+                        <a:solidFill>
+                          <a:schemeClr val="dk1"/>
+                        </a:solidFill>
+                        <a:latin typeface="Geist Mono" pitchFamily="2" charset="77"/>
+                        <a:ea typeface="Geist Mono" pitchFamily="2" charset="77"/>
+                        <a:cs typeface="Geist Mono" pitchFamily="2" charset="77"/>
+                      </a:endParaRPr>
+                    </a:p>
+                  </a:txBody>
+                  <a:tcPr anchor="ctr">
+                    <a:lnL w="12700" cap="flat" cmpd="sng" algn="ctr">
+                      <a:solidFill>
+                        <a:schemeClr val="tx1"/>
+                      </a:solidFill>
+                      <a:prstDash val="solid"/>
+                      <a:round/>
+                      <a:headEnd type="none" w="med" len="med"/>
+                      <a:tailEnd type="none" w="med" len="med"/>
+                    </a:lnL>
+                    <a:lnR w="12700" cap="flat" cmpd="sng" algn="ctr">
+                      <a:solidFill>
+                        <a:schemeClr val="tx1"/>
+                      </a:solidFill>
+                      <a:prstDash val="solid"/>
+                      <a:round/>
+                      <a:headEnd type="none" w="med" len="med"/>
+                      <a:tailEnd type="none" w="med" len="med"/>
+                    </a:lnR>
+                    <a:lnT w="12700" cap="flat" cmpd="sng" algn="ctr">
+                      <a:solidFill>
+                        <a:schemeClr val="tx1"/>
+                      </a:solidFill>
+                      <a:prstDash val="solid"/>
+                      <a:round/>
+                      <a:headEnd type="none" w="med" len="med"/>
+                      <a:tailEnd type="none" w="med" len="med"/>
+                    </a:lnT>
+                    <a:lnB w="12700" cap="flat" cmpd="sng" algn="ctr">
+                      <a:solidFill>
+                        <a:schemeClr val="tx1"/>
+                      </a:solidFill>
+                      <a:prstDash val="solid"/>
+                      <a:round/>
+                      <a:headEnd type="none" w="med" len="med"/>
+                      <a:tailEnd type="none" w="med" len="med"/>
+                    </a:lnB>
+                  </a:tcPr>
+                </a:tc>
+                <a:tc>
+                  <a:txBody>
+                    <a:bodyPr/>
+                    <a:lstStyle/>
+                    <a:p>
+                      <a:pPr algn="ctr"/>
+                      <a:endParaRPr lang="es-ES" sz="1200" kern="1200" dirty="0">
+                        <a:solidFill>
+                          <a:schemeClr val="dk1"/>
+                        </a:solidFill>
+                        <a:latin typeface="Geist Mono" pitchFamily="2" charset="77"/>
+                        <a:ea typeface="Geist Mono" pitchFamily="2" charset="77"/>
+                        <a:cs typeface="Geist Mono" pitchFamily="2" charset="77"/>
+                      </a:endParaRPr>
+                    </a:p>
+                  </a:txBody>
+                  <a:tcPr anchor="ctr">
+                    <a:lnL w="12700" cap="flat" cmpd="sng" algn="ctr">
+                      <a:solidFill>
+                        <a:schemeClr val="tx1"/>
+                      </a:solidFill>
+                      <a:prstDash val="solid"/>
+                      <a:round/>
+                      <a:headEnd type="none" w="med" len="med"/>
+                      <a:tailEnd type="none" w="med" len="med"/>
+                    </a:lnL>
+                    <a:lnR w="12700" cap="flat" cmpd="sng" algn="ctr">
+                      <a:solidFill>
+                        <a:schemeClr val="tx1"/>
+                      </a:solidFill>
+                      <a:prstDash val="solid"/>
+                      <a:round/>
+                      <a:headEnd type="none" w="med" len="med"/>
+                      <a:tailEnd type="none" w="med" len="med"/>
+                    </a:lnR>
+                    <a:lnT w="12700" cap="flat" cmpd="sng" algn="ctr">
+                      <a:solidFill>
+                        <a:schemeClr val="tx1"/>
+                      </a:solidFill>
+                      <a:prstDash val="solid"/>
+                      <a:round/>
+                      <a:headEnd type="none" w="med" len="med"/>
+                      <a:tailEnd type="none" w="med" len="med"/>
+                    </a:lnT>
+                    <a:lnB w="12700" cap="flat" cmpd="sng" algn="ctr">
+                      <a:solidFill>
+                        <a:schemeClr val="tx1"/>
+                      </a:solidFill>
+                      <a:prstDash val="solid"/>
+                      <a:round/>
+                      <a:headEnd type="none" w="med" len="med"/>
+                      <a:tailEnd type="none" w="med" len="med"/>
+                    </a:lnB>
+                  </a:tcPr>
+                </a:tc>
+                <a:extLst>
+                  <a:ext uri="{0D108BD9-81ED-4DB2-BD59-A6C34878D82A}">
+                    <a16:rowId xmlns:a16="http://schemas.microsoft.com/office/drawing/2014/main" val="3762326399"/>
+                  </a:ext>
+                </a:extLst>
+              </a:tr>
+              <a:tr h="370840">
+                <a:tc>
+                  <a:txBody>
+                    <a:bodyPr/>
+                    <a:lstStyle/>
+                    <a:p>
+                      <a:pPr algn="ctr"/>
+                      <a:r>
+                        <a:rPr lang="es-ES" sz="1200" b="1" dirty="0">
+                          <a:latin typeface="Geist Mono Bold" pitchFamily="2" charset="77"/>
+                          <a:ea typeface="Geist Mono Bold" pitchFamily="2" charset="77"/>
+                          <a:cs typeface="Geist Mono Bold" pitchFamily="2" charset="77"/>
+                        </a:rPr>
+                        <a:t>Ejemplo</a:t>
+                      </a:r>
+                    </a:p>
+                  </a:txBody>
+                  <a:tcPr anchor="ctr">
+                    <a:lnL w="12700" cap="flat" cmpd="sng" algn="ctr">
+                      <a:solidFill>
+                        <a:schemeClr val="tx1"/>
+                      </a:solidFill>
+                      <a:prstDash val="solid"/>
+                      <a:round/>
+                      <a:headEnd type="none" w="med" len="med"/>
+                      <a:tailEnd type="none" w="med" len="med"/>
+                    </a:lnL>
+                    <a:lnR w="12700" cap="flat" cmpd="sng" algn="ctr">
+                      <a:solidFill>
+                        <a:schemeClr val="tx1"/>
+                      </a:solidFill>
+                      <a:prstDash val="solid"/>
+                      <a:round/>
+                      <a:headEnd type="none" w="med" len="med"/>
+                      <a:tailEnd type="none" w="med" len="med"/>
+                    </a:lnR>
+                    <a:lnT w="12700" cap="flat" cmpd="sng" algn="ctr">
+                      <a:solidFill>
+                        <a:schemeClr val="tx1"/>
+                      </a:solidFill>
+                      <a:prstDash val="solid"/>
+                      <a:round/>
+                      <a:headEnd type="none" w="med" len="med"/>
+                      <a:tailEnd type="none" w="med" len="med"/>
+                    </a:lnT>
+                    <a:lnB w="12700" cap="flat" cmpd="sng" algn="ctr">
+                      <a:solidFill>
+                        <a:schemeClr val="tx1"/>
+                      </a:solidFill>
+                      <a:prstDash val="solid"/>
+                      <a:round/>
+                      <a:headEnd type="none" w="med" len="med"/>
+                      <a:tailEnd type="none" w="med" len="med"/>
+                    </a:lnB>
+                  </a:tcPr>
+                </a:tc>
+                <a:tc>
+                  <a:txBody>
+                    <a:bodyPr/>
+                    <a:lstStyle/>
+                    <a:p>
+                      <a:pPr algn="ctr"/>
+                      <a:r>
+                        <a:rPr lang="es-ES" sz="1200" kern="1200" dirty="0">
+                          <a:solidFill>
+                            <a:schemeClr val="dk1"/>
+                          </a:solidFill>
+                          <a:latin typeface="Geist Mono" pitchFamily="2" charset="77"/>
+                          <a:ea typeface="Geist Mono" pitchFamily="2" charset="77"/>
+                          <a:cs typeface="Geist Mono" pitchFamily="2" charset="77"/>
+                        </a:rPr>
+                        <a:t>Queremos comparar las tasas de conversión de dos versiones diferentes de una página de inicio. Como las tasas de conversión no siguen una distribución normal. En este ejemplo, en el grupo control podríamos tener 30 usuarios y en el grupo test 40 usuarios. </a:t>
+                      </a:r>
+                    </a:p>
+                  </a:txBody>
+                  <a:tcPr anchor="ctr">
+                    <a:lnL w="12700" cap="flat" cmpd="sng" algn="ctr">
+                      <a:solidFill>
+                        <a:schemeClr val="tx1"/>
+                      </a:solidFill>
+                      <a:prstDash val="solid"/>
+                      <a:round/>
+                      <a:headEnd type="none" w="med" len="med"/>
+                      <a:tailEnd type="none" w="med" len="med"/>
+                    </a:lnL>
+                    <a:lnR w="12700" cap="flat" cmpd="sng" algn="ctr">
+                      <a:solidFill>
+                        <a:schemeClr val="tx1"/>
+                      </a:solidFill>
+                      <a:prstDash val="solid"/>
+                      <a:round/>
+                      <a:headEnd type="none" w="med" len="med"/>
+                      <a:tailEnd type="none" w="med" len="med"/>
+                    </a:lnR>
+                    <a:lnT w="12700" cap="flat" cmpd="sng" algn="ctr">
+                      <a:solidFill>
+                        <a:schemeClr val="tx1"/>
+                      </a:solidFill>
+                      <a:prstDash val="solid"/>
+                      <a:round/>
+                      <a:headEnd type="none" w="med" len="med"/>
+                      <a:tailEnd type="none" w="med" len="med"/>
+                    </a:lnT>
+                    <a:lnB w="12700" cap="flat" cmpd="sng" algn="ctr">
+                      <a:solidFill>
+                        <a:schemeClr val="tx1"/>
+                      </a:solidFill>
+                      <a:prstDash val="solid"/>
+                      <a:round/>
+                      <a:headEnd type="none" w="med" len="med"/>
+                      <a:tailEnd type="none" w="med" len="med"/>
+                    </a:lnB>
+                  </a:tcPr>
+                </a:tc>
+                <a:tc>
+                  <a:txBody>
+                    <a:bodyPr/>
+                    <a:lstStyle/>
+                    <a:p>
+                      <a:pPr algn="ctr"/>
+                      <a:r>
+                        <a:rPr lang="es-ES" sz="1200" dirty="0">
+                          <a:latin typeface="Geist Mono" pitchFamily="2" charset="77"/>
+                          <a:ea typeface="Geist Mono" pitchFamily="2" charset="77"/>
+                          <a:cs typeface="Geist Mono" pitchFamily="2" charset="77"/>
+                        </a:rPr>
+                        <a:t>Sería como la t-Student de los paramétricos. Seguimos con el caso de las tasas de conversión del ejemplo anterior. En este caso, debemos tener si o si el mismo número de usuarios en un grupo que en otro (30 y 30)</a:t>
+                      </a:r>
+                    </a:p>
+                  </a:txBody>
+                  <a:tcPr anchor="ctr">
+                    <a:lnL w="12700" cap="flat" cmpd="sng" algn="ctr">
+                      <a:solidFill>
+                        <a:schemeClr val="tx1"/>
+                      </a:solidFill>
+                      <a:prstDash val="solid"/>
+                      <a:round/>
+                      <a:headEnd type="none" w="med" len="med"/>
+                      <a:tailEnd type="none" w="med" len="med"/>
+                    </a:lnL>
+                    <a:lnR w="12700" cap="flat" cmpd="sng" algn="ctr">
+                      <a:solidFill>
+                        <a:schemeClr val="tx1"/>
+                      </a:solidFill>
+                      <a:prstDash val="solid"/>
+                      <a:round/>
+                      <a:headEnd type="none" w="med" len="med"/>
+                      <a:tailEnd type="none" w="med" len="med"/>
+                    </a:lnR>
+                    <a:lnT w="12700" cap="flat" cmpd="sng" algn="ctr">
+                      <a:solidFill>
+                        <a:schemeClr val="tx1"/>
+                      </a:solidFill>
+                      <a:prstDash val="solid"/>
+                      <a:round/>
+                      <a:headEnd type="none" w="med" len="med"/>
+                      <a:tailEnd type="none" w="med" len="med"/>
+                    </a:lnT>
+                    <a:lnB w="12700" cap="flat" cmpd="sng" algn="ctr">
+                      <a:solidFill>
+                        <a:schemeClr val="tx1"/>
+                      </a:solidFill>
+                      <a:prstDash val="solid"/>
+                      <a:round/>
+                      <a:headEnd type="none" w="med" len="med"/>
+                      <a:tailEnd type="none" w="med" len="med"/>
+                    </a:lnB>
+                  </a:tcPr>
+                </a:tc>
+                <a:tc>
+                  <a:txBody>
+                    <a:bodyPr/>
+                    <a:lstStyle/>
+                    <a:p>
+                      <a:pPr algn="ctr"/>
+                      <a:r>
+                        <a:rPr lang="es-ES" sz="1200" dirty="0">
+                          <a:latin typeface="Geist Mono" pitchFamily="2" charset="77"/>
+                          <a:ea typeface="Geist Mono" pitchFamily="2" charset="77"/>
+                          <a:cs typeface="Geist Mono" pitchFamily="2" charset="77"/>
+                        </a:rPr>
+                        <a:t>Seguimos con las tasas de conversión, pero en este caso, en vez de tener 2 grupos (test y control), tenemos 3 grupos. </a:t>
+                      </a:r>
+                    </a:p>
+                  </a:txBody>
+                  <a:tcPr anchor="ctr">
+                    <a:lnL w="12700" cap="flat" cmpd="sng" algn="ctr">
+                      <a:solidFill>
+                        <a:schemeClr val="tx1"/>
+                      </a:solidFill>
+                      <a:prstDash val="solid"/>
+                      <a:round/>
+                      <a:headEnd type="none" w="med" len="med"/>
+                      <a:tailEnd type="none" w="med" len="med"/>
+                    </a:lnL>
+                    <a:lnR w="12700" cap="flat" cmpd="sng" algn="ctr">
+                      <a:solidFill>
+                        <a:schemeClr val="tx1"/>
+                      </a:solidFill>
+                      <a:prstDash val="solid"/>
+                      <a:round/>
+                      <a:headEnd type="none" w="med" len="med"/>
+                      <a:tailEnd type="none" w="med" len="med"/>
+                    </a:lnR>
+                    <a:lnT w="12700" cap="flat" cmpd="sng" algn="ctr">
+                      <a:solidFill>
+                        <a:schemeClr val="tx1"/>
+                      </a:solidFill>
+                      <a:prstDash val="solid"/>
+                      <a:round/>
+                      <a:headEnd type="none" w="med" len="med"/>
+                      <a:tailEnd type="none" w="med" len="med"/>
+                    </a:lnT>
+                    <a:lnB w="12700" cap="flat" cmpd="sng" algn="ctr">
+                      <a:solidFill>
+                        <a:schemeClr val="tx1"/>
+                      </a:solidFill>
+                      <a:prstDash val="solid"/>
+                      <a:round/>
+                      <a:headEnd type="none" w="med" len="med"/>
+                      <a:tailEnd type="none" w="med" len="med"/>
+                    </a:lnB>
+                  </a:tcPr>
+                </a:tc>
+                <a:extLst>
+                  <a:ext uri="{0D108BD9-81ED-4DB2-BD59-A6C34878D82A}">
+                    <a16:rowId xmlns:a16="http://schemas.microsoft.com/office/drawing/2014/main" val="2155399328"/>
+                  </a:ext>
+                </a:extLst>
+              </a:tr>
+            </a:tbl>
+          </a:graphicData>
+        </a:graphic>
+      </p:graphicFrame>
+    </p:spTree>
+    <p:extLst>
+      <p:ext uri="{BB962C8B-B14F-4D97-AF65-F5344CB8AC3E}">
+        <p14:creationId xmlns:p14="http://schemas.microsoft.com/office/powerpoint/2010/main" val="1690321171"/>
+      </p:ext>
+    </p:extLst>
+  </p:cSld>
+  <p:clrMapOvr>
+    <a:masterClrMapping/>
+  </p:clrMapOvr>
+</p:sld>
+</file>
+
 <file path=ppt/theme/theme1.xml><?xml version="1.0" encoding="utf-8"?>
 <a:theme xmlns:a="http://schemas.openxmlformats.org/drawingml/2006/main" name="Tema de Office">
   <a:themeElements>

--- a/02-Imagenes/A:B_Testing/PowerPointImagenes.pptx
+++ b/02-Imagenes/A:B_Testing/PowerPointImagenes.pptx
@@ -10,6 +10,7 @@
     <p:sldId id="258" r:id="rId4"/>
     <p:sldId id="259" r:id="rId5"/>
     <p:sldId id="260" r:id="rId6"/>
+    <p:sldId id="261" r:id="rId7"/>
   </p:sldIdLst>
   <p:sldSz cx="12192000" cy="6858000"/>
   <p:notesSz cx="6858000" cy="9144000"/>
@@ -263,7 +264,7 @@
           <a:p>
             <a:fld id="{ECC93CF6-D714-F742-B8F8-40E5DB92E388}" type="datetimeFigureOut">
               <a:rPr lang="es-ES" smtClean="0"/>
-              <a:t>22/5/24</a:t>
+              <a:t>31/5/24</a:t>
             </a:fld>
             <a:endParaRPr lang="es-ES" dirty="0"/>
           </a:p>
@@ -461,7 +462,7 @@
           <a:p>
             <a:fld id="{ECC93CF6-D714-F742-B8F8-40E5DB92E388}" type="datetimeFigureOut">
               <a:rPr lang="es-ES" smtClean="0"/>
-              <a:t>22/5/24</a:t>
+              <a:t>31/5/24</a:t>
             </a:fld>
             <a:endParaRPr lang="es-ES" dirty="0"/>
           </a:p>
@@ -669,7 +670,7 @@
           <a:p>
             <a:fld id="{ECC93CF6-D714-F742-B8F8-40E5DB92E388}" type="datetimeFigureOut">
               <a:rPr lang="es-ES" smtClean="0"/>
-              <a:t>22/5/24</a:t>
+              <a:t>31/5/24</a:t>
             </a:fld>
             <a:endParaRPr lang="es-ES" dirty="0"/>
           </a:p>
@@ -867,7 +868,7 @@
           <a:p>
             <a:fld id="{ECC93CF6-D714-F742-B8F8-40E5DB92E388}" type="datetimeFigureOut">
               <a:rPr lang="es-ES" smtClean="0"/>
-              <a:t>22/5/24</a:t>
+              <a:t>31/5/24</a:t>
             </a:fld>
             <a:endParaRPr lang="es-ES" dirty="0"/>
           </a:p>
@@ -1142,7 +1143,7 @@
           <a:p>
             <a:fld id="{ECC93CF6-D714-F742-B8F8-40E5DB92E388}" type="datetimeFigureOut">
               <a:rPr lang="es-ES" smtClean="0"/>
-              <a:t>22/5/24</a:t>
+              <a:t>31/5/24</a:t>
             </a:fld>
             <a:endParaRPr lang="es-ES" dirty="0"/>
           </a:p>
@@ -1407,7 +1408,7 @@
           <a:p>
             <a:fld id="{ECC93CF6-D714-F742-B8F8-40E5DB92E388}" type="datetimeFigureOut">
               <a:rPr lang="es-ES" smtClean="0"/>
-              <a:t>22/5/24</a:t>
+              <a:t>31/5/24</a:t>
             </a:fld>
             <a:endParaRPr lang="es-ES" dirty="0"/>
           </a:p>
@@ -1819,7 +1820,7 @@
           <a:p>
             <a:fld id="{ECC93CF6-D714-F742-B8F8-40E5DB92E388}" type="datetimeFigureOut">
               <a:rPr lang="es-ES" smtClean="0"/>
-              <a:t>22/5/24</a:t>
+              <a:t>31/5/24</a:t>
             </a:fld>
             <a:endParaRPr lang="es-ES" dirty="0"/>
           </a:p>
@@ -1960,7 +1961,7 @@
           <a:p>
             <a:fld id="{ECC93CF6-D714-F742-B8F8-40E5DB92E388}" type="datetimeFigureOut">
               <a:rPr lang="es-ES" smtClean="0"/>
-              <a:t>22/5/24</a:t>
+              <a:t>31/5/24</a:t>
             </a:fld>
             <a:endParaRPr lang="es-ES" dirty="0"/>
           </a:p>
@@ -2073,7 +2074,7 @@
           <a:p>
             <a:fld id="{ECC93CF6-D714-F742-B8F8-40E5DB92E388}" type="datetimeFigureOut">
               <a:rPr lang="es-ES" smtClean="0"/>
-              <a:t>22/5/24</a:t>
+              <a:t>31/5/24</a:t>
             </a:fld>
             <a:endParaRPr lang="es-ES" dirty="0"/>
           </a:p>
@@ -2384,7 +2385,7 @@
           <a:p>
             <a:fld id="{ECC93CF6-D714-F742-B8F8-40E5DB92E388}" type="datetimeFigureOut">
               <a:rPr lang="es-ES" smtClean="0"/>
-              <a:t>22/5/24</a:t>
+              <a:t>31/5/24</a:t>
             </a:fld>
             <a:endParaRPr lang="es-ES" dirty="0"/>
           </a:p>
@@ -2672,7 +2673,7 @@
           <a:p>
             <a:fld id="{ECC93CF6-D714-F742-B8F8-40E5DB92E388}" type="datetimeFigureOut">
               <a:rPr lang="es-ES" smtClean="0"/>
-              <a:t>22/5/24</a:t>
+              <a:t>31/5/24</a:t>
             </a:fld>
             <a:endParaRPr lang="es-ES" dirty="0"/>
           </a:p>
@@ -2913,7 +2914,7 @@
           <a:p>
             <a:fld id="{ECC93CF6-D714-F742-B8F8-40E5DB92E388}" type="datetimeFigureOut">
               <a:rPr lang="es-ES" smtClean="0"/>
-              <a:t>22/5/24</a:t>
+              <a:t>31/5/24</a:t>
             </a:fld>
             <a:endParaRPr lang="es-ES" dirty="0"/>
           </a:p>
@@ -8524,14 +8525,14 @@
             <p:ph idx="1"/>
             <p:extLst>
               <p:ext uri="{D42A27DB-BD31-4B8C-83A1-F6EECF244321}">
-                <p14:modId xmlns:p14="http://schemas.microsoft.com/office/powerpoint/2010/main" val="561566554"/>
+                <p14:modId xmlns:p14="http://schemas.microsoft.com/office/powerpoint/2010/main" val="175055334"/>
               </p:ext>
             </p:extLst>
           </p:nvPr>
         </p:nvGraphicFramePr>
         <p:xfrm>
           <a:off x="1181631" y="820420"/>
-          <a:ext cx="9509760" cy="4765040"/>
+          <a:ext cx="9509760" cy="2570480"/>
         </p:xfrm>
         <a:graphic>
           <a:graphicData uri="http://schemas.openxmlformats.org/drawingml/2006/table">
@@ -8937,7 +8938,7 @@
                           <a:ea typeface="Geist Mono" pitchFamily="2" charset="77"/>
                           <a:cs typeface="Geist Mono" pitchFamily="2" charset="77"/>
                         </a:rPr>
-                        <a:t>Comparar 2 grupos independientes. En los dos grupos NO TIENE porque haber el mismo número de valores.</a:t>
+                        <a:t>Comparar 2 grupos independientes.</a:t>
                       </a:r>
                     </a:p>
                   </a:txBody>
@@ -8995,7 +8996,7 @@
                           <a:ea typeface="Geist Mono" pitchFamily="2" charset="77"/>
                           <a:cs typeface="Geist Mono" pitchFamily="2" charset="77"/>
                         </a:rPr>
-                        <a:t>Compara dos muestras relacionadas cuando los datos no son normalmente distribuidos. En los grupos TIENE porque haber el mismo número de valores.</a:t>
+                        <a:t>Compara dos muestras relacionadas cuando los datos no son normalmente distribuidos. </a:t>
                       </a:r>
                     </a:p>
                   </a:txBody>
@@ -9053,7 +9054,7 @@
                           <a:ea typeface="Geist Mono" pitchFamily="2" charset="77"/>
                           <a:cs typeface="Geist Mono" pitchFamily="2" charset="77"/>
                         </a:rPr>
-                        <a:t>Compara más de dos grupos independientes cuando los datos no son normalmente distribuidos. Los grupos no tienen por qué tener el mismo número de valores.</a:t>
+                        <a:t>Compara más de dos grupos independientes cuando los datos no son normalmente distribuidos. </a:t>
                       </a:r>
                     </a:p>
                   </a:txBody>
@@ -9169,14 +9170,17 @@
                     <a:lstStyle/>
                     <a:p>
                       <a:pPr marL="0" algn="ctr" defTabSz="914400" rtl="0" eaLnBrk="1" latinLnBrk="0" hangingPunct="1"/>
-                      <a:endParaRPr lang="es-ES" sz="1200" kern="1200" dirty="0">
-                        <a:solidFill>
-                          <a:schemeClr val="dk1"/>
-                        </a:solidFill>
-                        <a:latin typeface="Geist Mono" pitchFamily="2" charset="77"/>
-                        <a:ea typeface="Geist Mono" pitchFamily="2" charset="77"/>
-                        <a:cs typeface="Geist Mono" pitchFamily="2" charset="77"/>
-                      </a:endParaRPr>
+                      <a:r>
+                        <a:rPr lang="es-ES" sz="1200" kern="1200" dirty="0">
+                          <a:solidFill>
+                            <a:schemeClr val="dk1"/>
+                          </a:solidFill>
+                          <a:latin typeface="Geist Mono" pitchFamily="2" charset="77"/>
+                          <a:ea typeface="Geist Mono" pitchFamily="2" charset="77"/>
+                          <a:cs typeface="Geist Mono" pitchFamily="2" charset="77"/>
+                        </a:rPr>
+                        <a:t>En los dos grupos NO tiene porque haber el mismo número de valores.</a:t>
+                      </a:r>
                     </a:p>
                   </a:txBody>
                   <a:tcPr anchor="ctr">
@@ -9224,14 +9228,17 @@
                     <a:lstStyle/>
                     <a:p>
                       <a:pPr algn="ctr"/>
-                      <a:endParaRPr lang="es-ES" sz="1200" kern="1200" dirty="0">
-                        <a:solidFill>
-                          <a:schemeClr val="dk1"/>
-                        </a:solidFill>
-                        <a:latin typeface="Geist Mono" pitchFamily="2" charset="77"/>
-                        <a:ea typeface="Geist Mono" pitchFamily="2" charset="77"/>
-                        <a:cs typeface="Geist Mono" pitchFamily="2" charset="77"/>
-                      </a:endParaRPr>
+                      <a:r>
+                        <a:rPr lang="es-ES" sz="1200" kern="1200" dirty="0">
+                          <a:solidFill>
+                            <a:schemeClr val="dk1"/>
+                          </a:solidFill>
+                          <a:latin typeface="Geist Mono" pitchFamily="2" charset="77"/>
+                          <a:ea typeface="Geist Mono" pitchFamily="2" charset="77"/>
+                          <a:cs typeface="Geist Mono" pitchFamily="2" charset="77"/>
+                        </a:rPr>
+                        <a:t>En los grupos TIENE que haber el mismo número de valores.</a:t>
+                      </a:r>
                     </a:p>
                   </a:txBody>
                   <a:tcPr anchor="ctr">
@@ -9279,14 +9286,17 @@
                     <a:lstStyle/>
                     <a:p>
                       <a:pPr algn="ctr"/>
-                      <a:endParaRPr lang="es-ES" sz="1200" kern="1200" dirty="0">
-                        <a:solidFill>
-                          <a:schemeClr val="dk1"/>
-                        </a:solidFill>
-                        <a:latin typeface="Geist Mono" pitchFamily="2" charset="77"/>
-                        <a:ea typeface="Geist Mono" pitchFamily="2" charset="77"/>
-                        <a:cs typeface="Geist Mono" pitchFamily="2" charset="77"/>
-                      </a:endParaRPr>
+                      <a:r>
+                        <a:rPr lang="es-ES" sz="1200" kern="1200" dirty="0">
+                          <a:solidFill>
+                            <a:schemeClr val="dk1"/>
+                          </a:solidFill>
+                          <a:latin typeface="Geist Mono" pitchFamily="2" charset="77"/>
+                          <a:ea typeface="Geist Mono" pitchFamily="2" charset="77"/>
+                          <a:cs typeface="Geist Mono" pitchFamily="2" charset="77"/>
+                        </a:rPr>
+                        <a:t>Los grupos no tienen por qué tener el mismo número de valores.</a:t>
+                      </a:r>
                     </a:p>
                   </a:txBody>
                   <a:tcPr anchor="ctr">
@@ -9396,17 +9406,14 @@
                     <a:lstStyle/>
                     <a:p>
                       <a:pPr algn="ctr"/>
-                      <a:r>
-                        <a:rPr lang="es-ES" sz="1200" kern="1200" dirty="0">
-                          <a:solidFill>
-                            <a:schemeClr val="dk1"/>
-                          </a:solidFill>
-                          <a:latin typeface="Geist Mono" pitchFamily="2" charset="77"/>
-                          <a:ea typeface="Geist Mono" pitchFamily="2" charset="77"/>
-                          <a:cs typeface="Geist Mono" pitchFamily="2" charset="77"/>
-                        </a:rPr>
-                        <a:t>Queremos comparar las tasas de conversión de dos versiones diferentes de una página de inicio. Como las tasas de conversión no siguen una distribución normal. En este ejemplo, en el grupo control podríamos tener 30 usuarios y en el grupo test 40 usuarios. </a:t>
-                      </a:r>
+                      <a:endParaRPr lang="es-ES" sz="1200" kern="1200" dirty="0">
+                        <a:solidFill>
+                          <a:schemeClr val="dk1"/>
+                        </a:solidFill>
+                        <a:latin typeface="Geist Mono" pitchFamily="2" charset="77"/>
+                        <a:ea typeface="Geist Mono" pitchFamily="2" charset="77"/>
+                        <a:cs typeface="Geist Mono" pitchFamily="2" charset="77"/>
+                      </a:endParaRPr>
                     </a:p>
                   </a:txBody>
                   <a:tcPr anchor="ctr">
@@ -9454,14 +9461,11 @@
                     <a:lstStyle/>
                     <a:p>
                       <a:pPr algn="ctr"/>
-                      <a:r>
-                        <a:rPr lang="es-ES" sz="1200" dirty="0">
-                          <a:latin typeface="Geist Mono" pitchFamily="2" charset="77"/>
-                          <a:ea typeface="Geist Mono" pitchFamily="2" charset="77"/>
-                          <a:cs typeface="Geist Mono" pitchFamily="2" charset="77"/>
-                        </a:rPr>
-                        <a:t>Sería como la t-Student de los paramétricos. Seguimos con el caso de las tasas de conversión del ejemplo anterior. En este caso, debemos tener si o si el mismo número de usuarios en un grupo que en otro (30 y 30)</a:t>
-                      </a:r>
+                      <a:endParaRPr lang="es-ES" sz="1200" dirty="0">
+                        <a:latin typeface="Geist Mono" pitchFamily="2" charset="77"/>
+                        <a:ea typeface="Geist Mono" pitchFamily="2" charset="77"/>
+                        <a:cs typeface="Geist Mono" pitchFamily="2" charset="77"/>
+                      </a:endParaRPr>
                     </a:p>
                   </a:txBody>
                   <a:tcPr anchor="ctr">
@@ -9509,14 +9513,11 @@
                     <a:lstStyle/>
                     <a:p>
                       <a:pPr algn="ctr"/>
-                      <a:r>
-                        <a:rPr lang="es-ES" sz="1200" dirty="0">
-                          <a:latin typeface="Geist Mono" pitchFamily="2" charset="77"/>
-                          <a:ea typeface="Geist Mono" pitchFamily="2" charset="77"/>
-                          <a:cs typeface="Geist Mono" pitchFamily="2" charset="77"/>
-                        </a:rPr>
-                        <a:t>Seguimos con las tasas de conversión, pero en este caso, en vez de tener 2 grupos (test y control), tenemos 3 grupos. </a:t>
-                      </a:r>
+                      <a:endParaRPr lang="es-ES" sz="1200" dirty="0">
+                        <a:latin typeface="Geist Mono" pitchFamily="2" charset="77"/>
+                        <a:ea typeface="Geist Mono" pitchFamily="2" charset="77"/>
+                        <a:cs typeface="Geist Mono" pitchFamily="2" charset="77"/>
+                      </a:endParaRPr>
                     </a:p>
                   </a:txBody>
                   <a:tcPr anchor="ctr">
@@ -9572,6 +9573,1145 @@
     <p:extLst>
       <p:ext uri="{BB962C8B-B14F-4D97-AF65-F5344CB8AC3E}">
         <p14:creationId xmlns:p14="http://schemas.microsoft.com/office/powerpoint/2010/main" val="1690321171"/>
+      </p:ext>
+    </p:extLst>
+  </p:cSld>
+  <p:clrMapOvr>
+    <a:masterClrMapping/>
+  </p:clrMapOvr>
+</p:sld>
+</file>
+
+<file path=ppt/slides/slide6.xml><?xml version="1.0" encoding="utf-8"?>
+<p:sld xmlns:a="http://schemas.openxmlformats.org/drawingml/2006/main" xmlns:r="http://schemas.openxmlformats.org/officeDocument/2006/relationships" xmlns:p="http://schemas.openxmlformats.org/presentationml/2006/main">
+  <p:cSld>
+    <p:spTree>
+      <p:nvGrpSpPr>
+        <p:cNvPr id="1" name=""/>
+        <p:cNvGrpSpPr/>
+        <p:nvPr/>
+      </p:nvGrpSpPr>
+      <p:grpSpPr>
+        <a:xfrm>
+          <a:off x="0" y="0"/>
+          <a:ext cx="0" cy="0"/>
+          <a:chOff x="0" y="0"/>
+          <a:chExt cx="0" cy="0"/>
+        </a:xfrm>
+      </p:grpSpPr>
+      <p:graphicFrame>
+        <p:nvGraphicFramePr>
+          <p:cNvPr id="4" name="Tabla 3">
+            <a:extLst>
+              <a:ext uri="{FF2B5EF4-FFF2-40B4-BE49-F238E27FC236}">
+                <a16:creationId xmlns:a16="http://schemas.microsoft.com/office/drawing/2014/main" id="{D4F32D48-52BC-7BFF-4BB1-371AB90CEA75}"/>
+              </a:ext>
+            </a:extLst>
+          </p:cNvPr>
+          <p:cNvGraphicFramePr>
+            <a:graphicFrameLocks noGrp="1"/>
+          </p:cNvGraphicFramePr>
+          <p:nvPr>
+            <p:extLst>
+              <p:ext uri="{D42A27DB-BD31-4B8C-83A1-F6EECF244321}">
+                <p14:modId xmlns:p14="http://schemas.microsoft.com/office/powerpoint/2010/main" val="1104953767"/>
+              </p:ext>
+            </p:extLst>
+          </p:nvPr>
+        </p:nvGraphicFramePr>
+        <p:xfrm>
+          <a:off x="530086" y="1517512"/>
+          <a:ext cx="10969488" cy="4211382"/>
+        </p:xfrm>
+        <a:graphic>
+          <a:graphicData uri="http://schemas.openxmlformats.org/drawingml/2006/table">
+            <a:tbl>
+              <a:tblPr firstRow="1">
+                <a:tableStyleId>{91EBBBCC-DAD2-459C-BE2E-F6DE35CF9A28}</a:tableStyleId>
+              </a:tblPr>
+              <a:tblGrid>
+                <a:gridCol w="2742372">
+                  <a:extLst>
+                    <a:ext uri="{9D8B030D-6E8A-4147-A177-3AD203B41FA5}">
+                      <a16:colId xmlns:a16="http://schemas.microsoft.com/office/drawing/2014/main" val="2798038165"/>
+                    </a:ext>
+                  </a:extLst>
+                </a:gridCol>
+                <a:gridCol w="2742372">
+                  <a:extLst>
+                    <a:ext uri="{9D8B030D-6E8A-4147-A177-3AD203B41FA5}">
+                      <a16:colId xmlns:a16="http://schemas.microsoft.com/office/drawing/2014/main" val="75895408"/>
+                    </a:ext>
+                  </a:extLst>
+                </a:gridCol>
+                <a:gridCol w="2742372">
+                  <a:extLst>
+                    <a:ext uri="{9D8B030D-6E8A-4147-A177-3AD203B41FA5}">
+                      <a16:colId xmlns:a16="http://schemas.microsoft.com/office/drawing/2014/main" val="50969570"/>
+                    </a:ext>
+                  </a:extLst>
+                </a:gridCol>
+                <a:gridCol w="2742372">
+                  <a:extLst>
+                    <a:ext uri="{9D8B030D-6E8A-4147-A177-3AD203B41FA5}">
+                      <a16:colId xmlns:a16="http://schemas.microsoft.com/office/drawing/2014/main" val="1756445403"/>
+                    </a:ext>
+                  </a:extLst>
+                </a:gridCol>
+              </a:tblGrid>
+              <a:tr h="358341">
+                <a:tc>
+                  <a:txBody>
+                    <a:bodyPr/>
+                    <a:lstStyle/>
+                    <a:p>
+                      <a:pPr algn="ctr"/>
+                      <a:endParaRPr lang="es-ES" sz="1400" dirty="0">
+                        <a:latin typeface="Geist Mono" pitchFamily="2" charset="77"/>
+                        <a:ea typeface="Geist Mono" pitchFamily="2" charset="77"/>
+                        <a:cs typeface="Geist Mono" pitchFamily="2" charset="77"/>
+                      </a:endParaRPr>
+                    </a:p>
+                  </a:txBody>
+                  <a:tcPr anchor="ctr">
+                    <a:lnL w="12700" cap="flat" cmpd="sng" algn="ctr">
+                      <a:solidFill>
+                        <a:schemeClr val="tx1"/>
+                      </a:solidFill>
+                      <a:prstDash val="solid"/>
+                      <a:round/>
+                      <a:headEnd type="none" w="med" len="med"/>
+                      <a:tailEnd type="none" w="med" len="med"/>
+                    </a:lnL>
+                    <a:lnR w="12700" cap="flat" cmpd="sng" algn="ctr">
+                      <a:solidFill>
+                        <a:schemeClr val="tx1"/>
+                      </a:solidFill>
+                      <a:prstDash val="solid"/>
+                      <a:round/>
+                      <a:headEnd type="none" w="med" len="med"/>
+                      <a:tailEnd type="none" w="med" len="med"/>
+                    </a:lnR>
+                    <a:lnT w="12700" cap="flat" cmpd="sng" algn="ctr">
+                      <a:solidFill>
+                        <a:schemeClr val="tx1"/>
+                      </a:solidFill>
+                      <a:prstDash val="solid"/>
+                      <a:round/>
+                      <a:headEnd type="none" w="med" len="med"/>
+                      <a:tailEnd type="none" w="med" len="med"/>
+                    </a:lnT>
+                    <a:lnB w="12700" cap="flat" cmpd="sng" algn="ctr">
+                      <a:solidFill>
+                        <a:schemeClr val="tx1"/>
+                      </a:solidFill>
+                      <a:prstDash val="solid"/>
+                      <a:round/>
+                      <a:headEnd type="none" w="med" len="med"/>
+                      <a:tailEnd type="none" w="med" len="med"/>
+                    </a:lnB>
+                  </a:tcPr>
+                </a:tc>
+                <a:tc>
+                  <a:txBody>
+                    <a:bodyPr/>
+                    <a:lstStyle/>
+                    <a:p>
+                      <a:pPr marL="0" marR="0" lvl="0" indent="0" algn="ctr" defTabSz="914400" rtl="0" eaLnBrk="1" fontAlgn="auto" latinLnBrk="0" hangingPunct="1">
+                        <a:lnSpc>
+                          <a:spcPct val="100000"/>
+                        </a:lnSpc>
+                        <a:spcBef>
+                          <a:spcPts val="0"/>
+                        </a:spcBef>
+                        <a:spcAft>
+                          <a:spcPts val="0"/>
+                        </a:spcAft>
+                        <a:buClrTx/>
+                        <a:buSzTx/>
+                        <a:buFontTx/>
+                        <a:buNone/>
+                        <a:tabLst/>
+                        <a:defRPr/>
+                      </a:pPr>
+                      <a:r>
+                        <a:rPr lang="es-ES" sz="1400" b="1" kern="1200" dirty="0">
+                          <a:solidFill>
+                            <a:schemeClr val="lt1"/>
+                          </a:solidFill>
+                          <a:latin typeface="Geist Mono Bold" pitchFamily="2" charset="77"/>
+                          <a:ea typeface="Geist Mono Bold" pitchFamily="2" charset="77"/>
+                          <a:cs typeface="Geist Mono Bold" pitchFamily="2" charset="77"/>
+                        </a:rPr>
+                        <a:t>Mann-Whitney</a:t>
+                      </a:r>
+                      <a:r>
+                        <a:rPr lang="es-ES" sz="1800" b="1" kern="1200" dirty="0">
+                          <a:solidFill>
+                            <a:schemeClr val="lt1"/>
+                          </a:solidFill>
+                          <a:effectLst/>
+                          <a:latin typeface="Geist Mono Bold" pitchFamily="2" charset="77"/>
+                          <a:ea typeface="Geist Mono Bold" pitchFamily="2" charset="77"/>
+                          <a:cs typeface="Geist Mono Bold" pitchFamily="2" charset="77"/>
+                        </a:rPr>
+                        <a:t> </a:t>
+                      </a:r>
+                      <a:r>
+                        <a:rPr lang="es-ES" sz="1400" b="1" kern="1200" dirty="0">
+                          <a:solidFill>
+                            <a:schemeClr val="lt1"/>
+                          </a:solidFill>
+                          <a:latin typeface="Geist Mono Bold" pitchFamily="2" charset="77"/>
+                          <a:ea typeface="Geist Mono Bold" pitchFamily="2" charset="77"/>
+                          <a:cs typeface="Geist Mono Bold" pitchFamily="2" charset="77"/>
+                        </a:rPr>
+                        <a:t>U</a:t>
+                      </a:r>
+                    </a:p>
+                  </a:txBody>
+                  <a:tcPr anchor="ctr">
+                    <a:lnL w="12700" cap="flat" cmpd="sng" algn="ctr">
+                      <a:solidFill>
+                        <a:schemeClr val="tx1"/>
+                      </a:solidFill>
+                      <a:prstDash val="solid"/>
+                      <a:round/>
+                      <a:headEnd type="none" w="med" len="med"/>
+                      <a:tailEnd type="none" w="med" len="med"/>
+                    </a:lnL>
+                    <a:lnR w="12700" cap="flat" cmpd="sng" algn="ctr">
+                      <a:solidFill>
+                        <a:schemeClr val="tx1"/>
+                      </a:solidFill>
+                      <a:prstDash val="solid"/>
+                      <a:round/>
+                      <a:headEnd type="none" w="med" len="med"/>
+                      <a:tailEnd type="none" w="med" len="med"/>
+                    </a:lnR>
+                    <a:lnT w="12700" cap="flat" cmpd="sng" algn="ctr">
+                      <a:solidFill>
+                        <a:schemeClr val="tx1"/>
+                      </a:solidFill>
+                      <a:prstDash val="solid"/>
+                      <a:round/>
+                      <a:headEnd type="none" w="med" len="med"/>
+                      <a:tailEnd type="none" w="med" len="med"/>
+                    </a:lnT>
+                    <a:lnB w="12700" cap="flat" cmpd="sng" algn="ctr">
+                      <a:solidFill>
+                        <a:schemeClr val="tx1"/>
+                      </a:solidFill>
+                      <a:prstDash val="solid"/>
+                      <a:round/>
+                      <a:headEnd type="none" w="med" len="med"/>
+                      <a:tailEnd type="none" w="med" len="med"/>
+                    </a:lnB>
+                  </a:tcPr>
+                </a:tc>
+                <a:tc>
+                  <a:txBody>
+                    <a:bodyPr/>
+                    <a:lstStyle/>
+                    <a:p>
+                      <a:pPr algn="ctr"/>
+                      <a:r>
+                        <a:rPr lang="es-ES" sz="1400" dirty="0">
+                          <a:latin typeface="Geist Mono" pitchFamily="2" charset="77"/>
+                          <a:ea typeface="Geist Mono" pitchFamily="2" charset="77"/>
+                          <a:cs typeface="Geist Mono" pitchFamily="2" charset="77"/>
+                        </a:rPr>
+                        <a:t>Wilcoxon</a:t>
+                      </a:r>
+                    </a:p>
+                  </a:txBody>
+                  <a:tcPr anchor="ctr">
+                    <a:lnL w="12700" cap="flat" cmpd="sng" algn="ctr">
+                      <a:solidFill>
+                        <a:schemeClr val="tx1"/>
+                      </a:solidFill>
+                      <a:prstDash val="solid"/>
+                      <a:round/>
+                      <a:headEnd type="none" w="med" len="med"/>
+                      <a:tailEnd type="none" w="med" len="med"/>
+                    </a:lnL>
+                    <a:lnR w="12700" cap="flat" cmpd="sng" algn="ctr">
+                      <a:solidFill>
+                        <a:schemeClr val="tx1"/>
+                      </a:solidFill>
+                      <a:prstDash val="solid"/>
+                      <a:round/>
+                      <a:headEnd type="none" w="med" len="med"/>
+                      <a:tailEnd type="none" w="med" len="med"/>
+                    </a:lnR>
+                    <a:lnT w="12700" cap="flat" cmpd="sng" algn="ctr">
+                      <a:solidFill>
+                        <a:schemeClr val="tx1"/>
+                      </a:solidFill>
+                      <a:prstDash val="solid"/>
+                      <a:round/>
+                      <a:headEnd type="none" w="med" len="med"/>
+                      <a:tailEnd type="none" w="med" len="med"/>
+                    </a:lnT>
+                    <a:lnB w="12700" cap="flat" cmpd="sng" algn="ctr">
+                      <a:solidFill>
+                        <a:schemeClr val="tx1"/>
+                      </a:solidFill>
+                      <a:prstDash val="solid"/>
+                      <a:round/>
+                      <a:headEnd type="none" w="med" len="med"/>
+                      <a:tailEnd type="none" w="med" len="med"/>
+                    </a:lnB>
+                  </a:tcPr>
+                </a:tc>
+                <a:tc>
+                  <a:txBody>
+                    <a:bodyPr/>
+                    <a:lstStyle/>
+                    <a:p>
+                      <a:pPr marL="0" marR="0" lvl="0" indent="0" algn="ctr" defTabSz="914400" rtl="0" eaLnBrk="1" fontAlgn="auto" latinLnBrk="0" hangingPunct="1">
+                        <a:lnSpc>
+                          <a:spcPct val="100000"/>
+                        </a:lnSpc>
+                        <a:spcBef>
+                          <a:spcPts val="0"/>
+                        </a:spcBef>
+                        <a:spcAft>
+                          <a:spcPts val="0"/>
+                        </a:spcAft>
+                        <a:buClrTx/>
+                        <a:buSzTx/>
+                        <a:buFontTx/>
+                        <a:buNone/>
+                        <a:tabLst/>
+                        <a:defRPr/>
+                      </a:pPr>
+                      <a:r>
+                        <a:rPr lang="es-ES" sz="1400" b="1" kern="1200" dirty="0">
+                          <a:solidFill>
+                            <a:schemeClr val="lt1"/>
+                          </a:solidFill>
+                          <a:latin typeface="Geist Mono Bold" pitchFamily="2" charset="77"/>
+                          <a:ea typeface="Geist Mono Bold" pitchFamily="2" charset="77"/>
+                          <a:cs typeface="Geist Mono Bold" pitchFamily="2" charset="77"/>
+                        </a:rPr>
+                        <a:t>Kruskal-Wallis</a:t>
+                      </a:r>
+                      <a:r>
+                        <a:rPr lang="es-ES" sz="1800" b="1" kern="1200" dirty="0">
+                          <a:solidFill>
+                            <a:schemeClr val="lt1"/>
+                          </a:solidFill>
+                          <a:effectLst/>
+                          <a:latin typeface="Geist Mono Bold" pitchFamily="2" charset="77"/>
+                          <a:ea typeface="Geist Mono Bold" pitchFamily="2" charset="77"/>
+                          <a:cs typeface="Geist Mono Bold" pitchFamily="2" charset="77"/>
+                        </a:rPr>
+                        <a:t> </a:t>
+                      </a:r>
+                    </a:p>
+                  </a:txBody>
+                  <a:tcPr anchor="ctr">
+                    <a:lnL w="12700" cap="flat" cmpd="sng" algn="ctr">
+                      <a:solidFill>
+                        <a:schemeClr val="tx1"/>
+                      </a:solidFill>
+                      <a:prstDash val="solid"/>
+                      <a:round/>
+                      <a:headEnd type="none" w="med" len="med"/>
+                      <a:tailEnd type="none" w="med" len="med"/>
+                    </a:lnL>
+                    <a:lnR w="12700" cap="flat" cmpd="sng" algn="ctr">
+                      <a:solidFill>
+                        <a:schemeClr val="tx1"/>
+                      </a:solidFill>
+                      <a:prstDash val="solid"/>
+                      <a:round/>
+                      <a:headEnd type="none" w="med" len="med"/>
+                      <a:tailEnd type="none" w="med" len="med"/>
+                    </a:lnR>
+                    <a:lnT w="12700" cap="flat" cmpd="sng" algn="ctr">
+                      <a:solidFill>
+                        <a:schemeClr val="tx1"/>
+                      </a:solidFill>
+                      <a:prstDash val="solid"/>
+                      <a:round/>
+                      <a:headEnd type="none" w="med" len="med"/>
+                      <a:tailEnd type="none" w="med" len="med"/>
+                    </a:lnT>
+                    <a:lnB w="12700" cap="flat" cmpd="sng" algn="ctr">
+                      <a:solidFill>
+                        <a:schemeClr val="tx1"/>
+                      </a:solidFill>
+                      <a:prstDash val="solid"/>
+                      <a:round/>
+                      <a:headEnd type="none" w="med" len="med"/>
+                      <a:tailEnd type="none" w="med" len="med"/>
+                    </a:lnB>
+                  </a:tcPr>
+                </a:tc>
+                <a:extLst>
+                  <a:ext uri="{0D108BD9-81ED-4DB2-BD59-A6C34878D82A}">
+                    <a16:rowId xmlns:a16="http://schemas.microsoft.com/office/drawing/2014/main" val="3344293805"/>
+                  </a:ext>
+                </a:extLst>
+              </a:tr>
+              <a:tr h="1325369">
+                <a:tc>
+                  <a:txBody>
+                    <a:bodyPr/>
+                    <a:lstStyle/>
+                    <a:p>
+                      <a:pPr algn="ctr"/>
+                      <a:r>
+                        <a:rPr lang="es-ES" sz="1200" b="1" dirty="0">
+                          <a:latin typeface="Geist Mono Bold" pitchFamily="2" charset="77"/>
+                          <a:ea typeface="Geist Mono Bold" pitchFamily="2" charset="77"/>
+                          <a:cs typeface="Geist Mono Bold" pitchFamily="2" charset="77"/>
+                        </a:rPr>
+                        <a:t>Qué hace</a:t>
+                      </a:r>
+                    </a:p>
+                  </a:txBody>
+                  <a:tcPr anchor="ctr">
+                    <a:lnL w="12700" cap="flat" cmpd="sng" algn="ctr">
+                      <a:solidFill>
+                        <a:schemeClr val="tx1"/>
+                      </a:solidFill>
+                      <a:prstDash val="solid"/>
+                      <a:round/>
+                      <a:headEnd type="none" w="med" len="med"/>
+                      <a:tailEnd type="none" w="med" len="med"/>
+                    </a:lnL>
+                    <a:lnR w="12700" cap="flat" cmpd="sng" algn="ctr">
+                      <a:solidFill>
+                        <a:schemeClr val="tx1"/>
+                      </a:solidFill>
+                      <a:prstDash val="solid"/>
+                      <a:round/>
+                      <a:headEnd type="none" w="med" len="med"/>
+                      <a:tailEnd type="none" w="med" len="med"/>
+                    </a:lnR>
+                    <a:lnT w="12700" cap="flat" cmpd="sng" algn="ctr">
+                      <a:solidFill>
+                        <a:schemeClr val="tx1"/>
+                      </a:solidFill>
+                      <a:prstDash val="solid"/>
+                      <a:round/>
+                      <a:headEnd type="none" w="med" len="med"/>
+                      <a:tailEnd type="none" w="med" len="med"/>
+                    </a:lnT>
+                    <a:lnB w="12700" cap="flat" cmpd="sng" algn="ctr">
+                      <a:solidFill>
+                        <a:schemeClr val="tx1"/>
+                      </a:solidFill>
+                      <a:prstDash val="solid"/>
+                      <a:round/>
+                      <a:headEnd type="none" w="med" len="med"/>
+                      <a:tailEnd type="none" w="med" len="med"/>
+                    </a:lnB>
+                  </a:tcPr>
+                </a:tc>
+                <a:tc>
+                  <a:txBody>
+                    <a:bodyPr/>
+                    <a:lstStyle/>
+                    <a:p>
+                      <a:pPr marL="0" algn="ctr" defTabSz="914400" rtl="0" eaLnBrk="1" latinLnBrk="0" hangingPunct="1"/>
+                      <a:r>
+                        <a:rPr lang="es-ES" sz="1200" dirty="0">
+                          <a:latin typeface="Geist Mono" pitchFamily="2" charset="77"/>
+                          <a:ea typeface="Geist Mono" pitchFamily="2" charset="77"/>
+                          <a:cs typeface="Geist Mono" pitchFamily="2" charset="77"/>
+                        </a:rPr>
+                        <a:t>Compara dos muestras independientes para determinar si una de las muestras tiende a tener valores más altos que la otra.</a:t>
+                      </a:r>
+                      <a:endParaRPr lang="es-ES" sz="1200" kern="1200" dirty="0">
+                        <a:solidFill>
+                          <a:schemeClr val="dk1"/>
+                        </a:solidFill>
+                        <a:latin typeface="Geist Mono" pitchFamily="2" charset="77"/>
+                        <a:ea typeface="Geist Mono" pitchFamily="2" charset="77"/>
+                        <a:cs typeface="Geist Mono" pitchFamily="2" charset="77"/>
+                      </a:endParaRPr>
+                    </a:p>
+                  </a:txBody>
+                  <a:tcPr anchor="ctr">
+                    <a:lnL w="12700" cap="flat" cmpd="sng" algn="ctr">
+                      <a:solidFill>
+                        <a:schemeClr val="tx1"/>
+                      </a:solidFill>
+                      <a:prstDash val="solid"/>
+                      <a:round/>
+                      <a:headEnd type="none" w="med" len="med"/>
+                      <a:tailEnd type="none" w="med" len="med"/>
+                    </a:lnL>
+                    <a:lnR w="12700" cap="flat" cmpd="sng" algn="ctr">
+                      <a:solidFill>
+                        <a:schemeClr val="tx1"/>
+                      </a:solidFill>
+                      <a:prstDash val="solid"/>
+                      <a:round/>
+                      <a:headEnd type="none" w="med" len="med"/>
+                      <a:tailEnd type="none" w="med" len="med"/>
+                    </a:lnR>
+                    <a:lnT w="12700" cap="flat" cmpd="sng" algn="ctr">
+                      <a:solidFill>
+                        <a:schemeClr val="tx1"/>
+                      </a:solidFill>
+                      <a:prstDash val="solid"/>
+                      <a:round/>
+                      <a:headEnd type="none" w="med" len="med"/>
+                      <a:tailEnd type="none" w="med" len="med"/>
+                    </a:lnT>
+                    <a:lnB w="12700" cap="flat" cmpd="sng" algn="ctr">
+                      <a:solidFill>
+                        <a:schemeClr val="tx1"/>
+                      </a:solidFill>
+                      <a:prstDash val="solid"/>
+                      <a:round/>
+                      <a:headEnd type="none" w="med" len="med"/>
+                      <a:tailEnd type="none" w="med" len="med"/>
+                    </a:lnB>
+                  </a:tcPr>
+                </a:tc>
+                <a:tc>
+                  <a:txBody>
+                    <a:bodyPr/>
+                    <a:lstStyle/>
+                    <a:p>
+                      <a:pPr algn="ctr"/>
+                      <a:r>
+                        <a:rPr lang="es-ES" sz="1200" dirty="0">
+                          <a:latin typeface="Geist Mono" pitchFamily="2" charset="77"/>
+                          <a:ea typeface="Geist Mono" pitchFamily="2" charset="77"/>
+                          <a:cs typeface="Geist Mono" pitchFamily="2" charset="77"/>
+                        </a:rPr>
+                        <a:t>Evalúa la diferencia entre dos muestras relacionadas (pareadas) para ver si sus medianas difieren significativamente.</a:t>
+                      </a:r>
+                      <a:endParaRPr lang="es-ES" sz="1200" kern="1200" dirty="0">
+                        <a:solidFill>
+                          <a:schemeClr val="dk1"/>
+                        </a:solidFill>
+                        <a:latin typeface="Geist Mono" pitchFamily="2" charset="77"/>
+                        <a:ea typeface="Geist Mono" pitchFamily="2" charset="77"/>
+                        <a:cs typeface="Geist Mono" pitchFamily="2" charset="77"/>
+                      </a:endParaRPr>
+                    </a:p>
+                  </a:txBody>
+                  <a:tcPr anchor="ctr">
+                    <a:lnL w="12700" cap="flat" cmpd="sng" algn="ctr">
+                      <a:solidFill>
+                        <a:schemeClr val="tx1"/>
+                      </a:solidFill>
+                      <a:prstDash val="solid"/>
+                      <a:round/>
+                      <a:headEnd type="none" w="med" len="med"/>
+                      <a:tailEnd type="none" w="med" len="med"/>
+                    </a:lnL>
+                    <a:lnR w="12700" cap="flat" cmpd="sng" algn="ctr">
+                      <a:solidFill>
+                        <a:schemeClr val="tx1"/>
+                      </a:solidFill>
+                      <a:prstDash val="solid"/>
+                      <a:round/>
+                      <a:headEnd type="none" w="med" len="med"/>
+                      <a:tailEnd type="none" w="med" len="med"/>
+                    </a:lnR>
+                    <a:lnT w="12700" cap="flat" cmpd="sng" algn="ctr">
+                      <a:solidFill>
+                        <a:schemeClr val="tx1"/>
+                      </a:solidFill>
+                      <a:prstDash val="solid"/>
+                      <a:round/>
+                      <a:headEnd type="none" w="med" len="med"/>
+                      <a:tailEnd type="none" w="med" len="med"/>
+                    </a:lnT>
+                    <a:lnB w="12700" cap="flat" cmpd="sng" algn="ctr">
+                      <a:solidFill>
+                        <a:schemeClr val="tx1"/>
+                      </a:solidFill>
+                      <a:prstDash val="solid"/>
+                      <a:round/>
+                      <a:headEnd type="none" w="med" len="med"/>
+                      <a:tailEnd type="none" w="med" len="med"/>
+                    </a:lnB>
+                  </a:tcPr>
+                </a:tc>
+                <a:tc>
+                  <a:txBody>
+                    <a:bodyPr/>
+                    <a:lstStyle/>
+                    <a:p>
+                      <a:pPr algn="ctr"/>
+                      <a:r>
+                        <a:rPr lang="es-ES" sz="1200" dirty="0">
+                          <a:latin typeface="Geist Mono" pitchFamily="2" charset="77"/>
+                          <a:ea typeface="Geist Mono" pitchFamily="2" charset="77"/>
+                          <a:cs typeface="Geist Mono" pitchFamily="2" charset="77"/>
+                        </a:rPr>
+                        <a:t>Generaliza la prueba de Mann-Whitney U para más de dos grupos. Compara tres o más muestras independientes para ver si provienen de la misma distribución.</a:t>
+                      </a:r>
+                      <a:endParaRPr lang="es-ES" sz="1200" kern="1200" dirty="0">
+                        <a:solidFill>
+                          <a:schemeClr val="dk1"/>
+                        </a:solidFill>
+                        <a:latin typeface="Geist Mono" pitchFamily="2" charset="77"/>
+                        <a:ea typeface="Geist Mono" pitchFamily="2" charset="77"/>
+                        <a:cs typeface="Geist Mono" pitchFamily="2" charset="77"/>
+                      </a:endParaRPr>
+                    </a:p>
+                  </a:txBody>
+                  <a:tcPr anchor="ctr">
+                    <a:lnL w="12700" cap="flat" cmpd="sng" algn="ctr">
+                      <a:solidFill>
+                        <a:schemeClr val="tx1"/>
+                      </a:solidFill>
+                      <a:prstDash val="solid"/>
+                      <a:round/>
+                      <a:headEnd type="none" w="med" len="med"/>
+                      <a:tailEnd type="none" w="med" len="med"/>
+                    </a:lnL>
+                    <a:lnR w="12700" cap="flat" cmpd="sng" algn="ctr">
+                      <a:solidFill>
+                        <a:schemeClr val="tx1"/>
+                      </a:solidFill>
+                      <a:prstDash val="solid"/>
+                      <a:round/>
+                      <a:headEnd type="none" w="med" len="med"/>
+                      <a:tailEnd type="none" w="med" len="med"/>
+                    </a:lnR>
+                    <a:lnT w="12700" cap="flat" cmpd="sng" algn="ctr">
+                      <a:solidFill>
+                        <a:schemeClr val="tx1"/>
+                      </a:solidFill>
+                      <a:prstDash val="solid"/>
+                      <a:round/>
+                      <a:headEnd type="none" w="med" len="med"/>
+                      <a:tailEnd type="none" w="med" len="med"/>
+                    </a:lnT>
+                    <a:lnB w="12700" cap="flat" cmpd="sng" algn="ctr">
+                      <a:solidFill>
+                        <a:schemeClr val="tx1"/>
+                      </a:solidFill>
+                      <a:prstDash val="solid"/>
+                      <a:round/>
+                      <a:headEnd type="none" w="med" len="med"/>
+                      <a:tailEnd type="none" w="med" len="med"/>
+                    </a:lnB>
+                  </a:tcPr>
+                </a:tc>
+                <a:extLst>
+                  <a:ext uri="{0D108BD9-81ED-4DB2-BD59-A6C34878D82A}">
+                    <a16:rowId xmlns:a16="http://schemas.microsoft.com/office/drawing/2014/main" val="3829369856"/>
+                  </a:ext>
+                </a:extLst>
+              </a:tr>
+              <a:tr h="1325369">
+                <a:tc>
+                  <a:txBody>
+                    <a:bodyPr/>
+                    <a:lstStyle/>
+                    <a:p>
+                      <a:pPr algn="ctr"/>
+                      <a:r>
+                        <a:rPr lang="es-ES" sz="1200" b="1">
+                          <a:latin typeface="Geist Mono Bold" pitchFamily="2" charset="77"/>
+                          <a:ea typeface="Geist Mono Bold" pitchFamily="2" charset="77"/>
+                          <a:cs typeface="Geist Mono Bold" pitchFamily="2" charset="77"/>
+                        </a:rPr>
+                        <a:t>Limitaciones</a:t>
+                      </a:r>
+                      <a:endParaRPr lang="es-ES" sz="1200" b="1" dirty="0">
+                        <a:latin typeface="Geist Mono Bold" pitchFamily="2" charset="77"/>
+                        <a:ea typeface="Geist Mono Bold" pitchFamily="2" charset="77"/>
+                        <a:cs typeface="Geist Mono Bold" pitchFamily="2" charset="77"/>
+                      </a:endParaRPr>
+                    </a:p>
+                  </a:txBody>
+                  <a:tcPr anchor="ctr">
+                    <a:lnL w="12700" cap="flat" cmpd="sng" algn="ctr">
+                      <a:solidFill>
+                        <a:schemeClr val="tx1"/>
+                      </a:solidFill>
+                      <a:prstDash val="solid"/>
+                      <a:round/>
+                      <a:headEnd type="none" w="med" len="med"/>
+                      <a:tailEnd type="none" w="med" len="med"/>
+                    </a:lnL>
+                    <a:lnR w="12700" cap="flat" cmpd="sng" algn="ctr">
+                      <a:solidFill>
+                        <a:schemeClr val="tx1"/>
+                      </a:solidFill>
+                      <a:prstDash val="solid"/>
+                      <a:round/>
+                      <a:headEnd type="none" w="med" len="med"/>
+                      <a:tailEnd type="none" w="med" len="med"/>
+                    </a:lnR>
+                    <a:lnT w="12700" cap="flat" cmpd="sng" algn="ctr">
+                      <a:solidFill>
+                        <a:schemeClr val="tx1"/>
+                      </a:solidFill>
+                      <a:prstDash val="solid"/>
+                      <a:round/>
+                      <a:headEnd type="none" w="med" len="med"/>
+                      <a:tailEnd type="none" w="med" len="med"/>
+                    </a:lnT>
+                    <a:lnB w="12700" cap="flat" cmpd="sng" algn="ctr">
+                      <a:solidFill>
+                        <a:schemeClr val="tx1"/>
+                      </a:solidFill>
+                      <a:prstDash val="solid"/>
+                      <a:round/>
+                      <a:headEnd type="none" w="med" len="med"/>
+                      <a:tailEnd type="none" w="med" len="med"/>
+                    </a:lnB>
+                  </a:tcPr>
+                </a:tc>
+                <a:tc>
+                  <a:txBody>
+                    <a:bodyPr/>
+                    <a:lstStyle/>
+                    <a:p>
+                      <a:pPr marL="0" algn="ctr" defTabSz="914400" rtl="0" eaLnBrk="1" latinLnBrk="0" hangingPunct="1"/>
+                      <a:r>
+                        <a:rPr lang="es-ES" sz="1200" dirty="0">
+                          <a:latin typeface="Geist Mono" pitchFamily="2" charset="77"/>
+                          <a:ea typeface="Geist Mono" pitchFamily="2" charset="77"/>
+                          <a:cs typeface="Geist Mono" pitchFamily="2" charset="77"/>
+                        </a:rPr>
+                        <a:t>No puede manejar más de dos grupos. Supone que las dos muestras son independientes.</a:t>
+                      </a:r>
+                    </a:p>
+                    <a:p>
+                      <a:pPr marL="0" algn="ctr" defTabSz="914400" rtl="0" eaLnBrk="1" latinLnBrk="0" hangingPunct="1"/>
+                      <a:r>
+                        <a:rPr lang="es-ES" sz="1200" kern="1200" dirty="0">
+                          <a:solidFill>
+                            <a:schemeClr val="dk1"/>
+                          </a:solidFill>
+                          <a:latin typeface="Geist Mono" pitchFamily="2" charset="77"/>
+                          <a:ea typeface="Geist Mono" pitchFamily="2" charset="77"/>
+                          <a:cs typeface="Geist Mono" pitchFamily="2" charset="77"/>
+                        </a:rPr>
+                        <a:t>En los dos grupos no tiene por qué haber el mismo número de datos. </a:t>
+                      </a:r>
+                    </a:p>
+                  </a:txBody>
+                  <a:tcPr anchor="ctr">
+                    <a:lnL w="12700" cap="flat" cmpd="sng" algn="ctr">
+                      <a:solidFill>
+                        <a:schemeClr val="tx1"/>
+                      </a:solidFill>
+                      <a:prstDash val="solid"/>
+                      <a:round/>
+                      <a:headEnd type="none" w="med" len="med"/>
+                      <a:tailEnd type="none" w="med" len="med"/>
+                    </a:lnL>
+                    <a:lnR w="12700" cap="flat" cmpd="sng" algn="ctr">
+                      <a:solidFill>
+                        <a:schemeClr val="tx1"/>
+                      </a:solidFill>
+                      <a:prstDash val="solid"/>
+                      <a:round/>
+                      <a:headEnd type="none" w="med" len="med"/>
+                      <a:tailEnd type="none" w="med" len="med"/>
+                    </a:lnR>
+                    <a:lnT w="12700" cap="flat" cmpd="sng" algn="ctr">
+                      <a:solidFill>
+                        <a:schemeClr val="tx1"/>
+                      </a:solidFill>
+                      <a:prstDash val="solid"/>
+                      <a:round/>
+                      <a:headEnd type="none" w="med" len="med"/>
+                      <a:tailEnd type="none" w="med" len="med"/>
+                    </a:lnT>
+                    <a:lnB w="12700" cap="flat" cmpd="sng" algn="ctr">
+                      <a:solidFill>
+                        <a:schemeClr val="tx1"/>
+                      </a:solidFill>
+                      <a:prstDash val="solid"/>
+                      <a:round/>
+                      <a:headEnd type="none" w="med" len="med"/>
+                      <a:tailEnd type="none" w="med" len="med"/>
+                    </a:lnB>
+                  </a:tcPr>
+                </a:tc>
+                <a:tc>
+                  <a:txBody>
+                    <a:bodyPr/>
+                    <a:lstStyle/>
+                    <a:p>
+                      <a:pPr algn="ctr"/>
+                      <a:r>
+                        <a:rPr lang="es-ES" sz="1200" dirty="0">
+                          <a:latin typeface="Geist Mono" pitchFamily="2" charset="77"/>
+                          <a:ea typeface="Geist Mono" pitchFamily="2" charset="77"/>
+                          <a:cs typeface="Geist Mono" pitchFamily="2" charset="77"/>
+                        </a:rPr>
+                        <a:t>Requiere que las muestras sean dependientes. No puede manejar más de dos grupos. Los dos grupos deben tener el mismo número de datos. </a:t>
+                      </a:r>
+                      <a:endParaRPr lang="es-ES" sz="1200" kern="1200" dirty="0">
+                        <a:solidFill>
+                          <a:schemeClr val="dk1"/>
+                        </a:solidFill>
+                        <a:latin typeface="Geist Mono" pitchFamily="2" charset="77"/>
+                        <a:ea typeface="Geist Mono" pitchFamily="2" charset="77"/>
+                        <a:cs typeface="Geist Mono" pitchFamily="2" charset="77"/>
+                      </a:endParaRPr>
+                    </a:p>
+                  </a:txBody>
+                  <a:tcPr anchor="ctr">
+                    <a:lnL w="12700" cap="flat" cmpd="sng" algn="ctr">
+                      <a:solidFill>
+                        <a:schemeClr val="tx1"/>
+                      </a:solidFill>
+                      <a:prstDash val="solid"/>
+                      <a:round/>
+                      <a:headEnd type="none" w="med" len="med"/>
+                      <a:tailEnd type="none" w="med" len="med"/>
+                    </a:lnL>
+                    <a:lnR w="12700" cap="flat" cmpd="sng" algn="ctr">
+                      <a:solidFill>
+                        <a:schemeClr val="tx1"/>
+                      </a:solidFill>
+                      <a:prstDash val="solid"/>
+                      <a:round/>
+                      <a:headEnd type="none" w="med" len="med"/>
+                      <a:tailEnd type="none" w="med" len="med"/>
+                    </a:lnR>
+                    <a:lnT w="12700" cap="flat" cmpd="sng" algn="ctr">
+                      <a:solidFill>
+                        <a:schemeClr val="tx1"/>
+                      </a:solidFill>
+                      <a:prstDash val="solid"/>
+                      <a:round/>
+                      <a:headEnd type="none" w="med" len="med"/>
+                      <a:tailEnd type="none" w="med" len="med"/>
+                    </a:lnT>
+                    <a:lnB w="12700" cap="flat" cmpd="sng" algn="ctr">
+                      <a:solidFill>
+                        <a:schemeClr val="tx1"/>
+                      </a:solidFill>
+                      <a:prstDash val="solid"/>
+                      <a:round/>
+                      <a:headEnd type="none" w="med" len="med"/>
+                      <a:tailEnd type="none" w="med" len="med"/>
+                    </a:lnB>
+                  </a:tcPr>
+                </a:tc>
+                <a:tc>
+                  <a:txBody>
+                    <a:bodyPr/>
+                    <a:lstStyle/>
+                    <a:p>
+                      <a:pPr algn="ctr"/>
+                      <a:r>
+                        <a:rPr lang="es-ES" sz="1200" dirty="0">
+                          <a:latin typeface="Geist Mono" pitchFamily="2" charset="77"/>
+                          <a:ea typeface="Geist Mono" pitchFamily="2" charset="77"/>
+                          <a:cs typeface="Geist Mono" pitchFamily="2" charset="77"/>
+                        </a:rPr>
+                        <a:t>Asume que las muestras son independientes. No identifica específicamente cuáles grupos difieren, sólo que al menos uno es diferente.</a:t>
+                      </a:r>
+                      <a:endParaRPr lang="es-ES" sz="1200" kern="1200" dirty="0">
+                        <a:solidFill>
+                          <a:schemeClr val="dk1"/>
+                        </a:solidFill>
+                        <a:latin typeface="Geist Mono" pitchFamily="2" charset="77"/>
+                        <a:ea typeface="Geist Mono" pitchFamily="2" charset="77"/>
+                        <a:cs typeface="Geist Mono" pitchFamily="2" charset="77"/>
+                      </a:endParaRPr>
+                    </a:p>
+                  </a:txBody>
+                  <a:tcPr anchor="ctr">
+                    <a:lnL w="12700" cap="flat" cmpd="sng" algn="ctr">
+                      <a:solidFill>
+                        <a:schemeClr val="tx1"/>
+                      </a:solidFill>
+                      <a:prstDash val="solid"/>
+                      <a:round/>
+                      <a:headEnd type="none" w="med" len="med"/>
+                      <a:tailEnd type="none" w="med" len="med"/>
+                    </a:lnL>
+                    <a:lnR w="12700" cap="flat" cmpd="sng" algn="ctr">
+                      <a:solidFill>
+                        <a:schemeClr val="tx1"/>
+                      </a:solidFill>
+                      <a:prstDash val="solid"/>
+                      <a:round/>
+                      <a:headEnd type="none" w="med" len="med"/>
+                      <a:tailEnd type="none" w="med" len="med"/>
+                    </a:lnR>
+                    <a:lnT w="12700" cap="flat" cmpd="sng" algn="ctr">
+                      <a:solidFill>
+                        <a:schemeClr val="tx1"/>
+                      </a:solidFill>
+                      <a:prstDash val="solid"/>
+                      <a:round/>
+                      <a:headEnd type="none" w="med" len="med"/>
+                      <a:tailEnd type="none" w="med" len="med"/>
+                    </a:lnT>
+                    <a:lnB w="12700" cap="flat" cmpd="sng" algn="ctr">
+                      <a:solidFill>
+                        <a:schemeClr val="tx1"/>
+                      </a:solidFill>
+                      <a:prstDash val="solid"/>
+                      <a:round/>
+                      <a:headEnd type="none" w="med" len="med"/>
+                      <a:tailEnd type="none" w="med" len="med"/>
+                    </a:lnB>
+                  </a:tcPr>
+                </a:tc>
+                <a:extLst>
+                  <a:ext uri="{0D108BD9-81ED-4DB2-BD59-A6C34878D82A}">
+                    <a16:rowId xmlns:a16="http://schemas.microsoft.com/office/drawing/2014/main" val="203048203"/>
+                  </a:ext>
+                </a:extLst>
+              </a:tr>
+              <a:tr h="1148653">
+                <a:tc>
+                  <a:txBody>
+                    <a:bodyPr/>
+                    <a:lstStyle/>
+                    <a:p>
+                      <a:pPr algn="ctr"/>
+                      <a:r>
+                        <a:rPr lang="es-ES" sz="1200" b="1" dirty="0">
+                          <a:latin typeface="Geist Mono Bold" pitchFamily="2" charset="77"/>
+                          <a:ea typeface="Geist Mono Bold" pitchFamily="2" charset="77"/>
+                          <a:cs typeface="Geist Mono Bold" pitchFamily="2" charset="77"/>
+                        </a:rPr>
+                        <a:t>Ejemplo</a:t>
+                      </a:r>
+                    </a:p>
+                  </a:txBody>
+                  <a:tcPr anchor="ctr">
+                    <a:lnL w="12700" cap="flat" cmpd="sng" algn="ctr">
+                      <a:solidFill>
+                        <a:schemeClr val="tx1"/>
+                      </a:solidFill>
+                      <a:prstDash val="solid"/>
+                      <a:round/>
+                      <a:headEnd type="none" w="med" len="med"/>
+                      <a:tailEnd type="none" w="med" len="med"/>
+                    </a:lnL>
+                    <a:lnR w="12700" cap="flat" cmpd="sng" algn="ctr">
+                      <a:solidFill>
+                        <a:schemeClr val="tx1"/>
+                      </a:solidFill>
+                      <a:prstDash val="solid"/>
+                      <a:round/>
+                      <a:headEnd type="none" w="med" len="med"/>
+                      <a:tailEnd type="none" w="med" len="med"/>
+                    </a:lnR>
+                    <a:lnT w="12700" cap="flat" cmpd="sng" algn="ctr">
+                      <a:solidFill>
+                        <a:schemeClr val="tx1"/>
+                      </a:solidFill>
+                      <a:prstDash val="solid"/>
+                      <a:round/>
+                      <a:headEnd type="none" w="med" len="med"/>
+                      <a:tailEnd type="none" w="med" len="med"/>
+                    </a:lnT>
+                    <a:lnB w="12700" cap="flat" cmpd="sng" algn="ctr">
+                      <a:solidFill>
+                        <a:schemeClr val="tx1"/>
+                      </a:solidFill>
+                      <a:prstDash val="solid"/>
+                      <a:round/>
+                      <a:headEnd type="none" w="med" len="med"/>
+                      <a:tailEnd type="none" w="med" len="med"/>
+                    </a:lnB>
+                  </a:tcPr>
+                </a:tc>
+                <a:tc>
+                  <a:txBody>
+                    <a:bodyPr/>
+                    <a:lstStyle/>
+                    <a:p>
+                      <a:pPr algn="ctr"/>
+                      <a:r>
+                        <a:rPr lang="es-ES" sz="1200" dirty="0">
+                          <a:latin typeface="Geist Mono" pitchFamily="2" charset="77"/>
+                          <a:ea typeface="Geist Mono" pitchFamily="2" charset="77"/>
+                          <a:cs typeface="Geist Mono" pitchFamily="2" charset="77"/>
+                        </a:rPr>
+                        <a:t>Comparar las puntuaciones de satisfacción de clientes entre dos tiendas diferentes.</a:t>
+                      </a:r>
+                      <a:endParaRPr lang="es-ES" sz="1200" kern="1200" dirty="0">
+                        <a:solidFill>
+                          <a:schemeClr val="dk1"/>
+                        </a:solidFill>
+                        <a:latin typeface="Geist Mono" pitchFamily="2" charset="77"/>
+                        <a:ea typeface="Geist Mono" pitchFamily="2" charset="77"/>
+                        <a:cs typeface="Geist Mono" pitchFamily="2" charset="77"/>
+                      </a:endParaRPr>
+                    </a:p>
+                  </a:txBody>
+                  <a:tcPr anchor="ctr">
+                    <a:lnL w="12700" cap="flat" cmpd="sng" algn="ctr">
+                      <a:solidFill>
+                        <a:schemeClr val="tx1"/>
+                      </a:solidFill>
+                      <a:prstDash val="solid"/>
+                      <a:round/>
+                      <a:headEnd type="none" w="med" len="med"/>
+                      <a:tailEnd type="none" w="med" len="med"/>
+                    </a:lnL>
+                    <a:lnR w="12700" cap="flat" cmpd="sng" algn="ctr">
+                      <a:solidFill>
+                        <a:schemeClr val="tx1"/>
+                      </a:solidFill>
+                      <a:prstDash val="solid"/>
+                      <a:round/>
+                      <a:headEnd type="none" w="med" len="med"/>
+                      <a:tailEnd type="none" w="med" len="med"/>
+                    </a:lnR>
+                    <a:lnT w="12700" cap="flat" cmpd="sng" algn="ctr">
+                      <a:solidFill>
+                        <a:schemeClr val="tx1"/>
+                      </a:solidFill>
+                      <a:prstDash val="solid"/>
+                      <a:round/>
+                      <a:headEnd type="none" w="med" len="med"/>
+                      <a:tailEnd type="none" w="med" len="med"/>
+                    </a:lnT>
+                    <a:lnB w="12700" cap="flat" cmpd="sng" algn="ctr">
+                      <a:solidFill>
+                        <a:schemeClr val="tx1"/>
+                      </a:solidFill>
+                      <a:prstDash val="solid"/>
+                      <a:round/>
+                      <a:headEnd type="none" w="med" len="med"/>
+                      <a:tailEnd type="none" w="med" len="med"/>
+                    </a:lnB>
+                  </a:tcPr>
+                </a:tc>
+                <a:tc>
+                  <a:txBody>
+                    <a:bodyPr/>
+                    <a:lstStyle/>
+                    <a:p>
+                      <a:pPr algn="ctr"/>
+                      <a:r>
+                        <a:rPr lang="es-ES" sz="1200" dirty="0">
+                          <a:latin typeface="Geist Mono" pitchFamily="2" charset="77"/>
+                          <a:ea typeface="Geist Mono" pitchFamily="2" charset="77"/>
+                          <a:cs typeface="Geist Mono" pitchFamily="2" charset="77"/>
+                        </a:rPr>
+                        <a:t>Comparar los niveles de colesterol antes y después de un tratamiento en el mismo grupo de pacientes.</a:t>
+                      </a:r>
+                    </a:p>
+                  </a:txBody>
+                  <a:tcPr anchor="ctr">
+                    <a:lnL w="12700" cap="flat" cmpd="sng" algn="ctr">
+                      <a:solidFill>
+                        <a:schemeClr val="tx1"/>
+                      </a:solidFill>
+                      <a:prstDash val="solid"/>
+                      <a:round/>
+                      <a:headEnd type="none" w="med" len="med"/>
+                      <a:tailEnd type="none" w="med" len="med"/>
+                    </a:lnL>
+                    <a:lnR w="12700" cap="flat" cmpd="sng" algn="ctr">
+                      <a:solidFill>
+                        <a:schemeClr val="tx1"/>
+                      </a:solidFill>
+                      <a:prstDash val="solid"/>
+                      <a:round/>
+                      <a:headEnd type="none" w="med" len="med"/>
+                      <a:tailEnd type="none" w="med" len="med"/>
+                    </a:lnR>
+                    <a:lnT w="12700" cap="flat" cmpd="sng" algn="ctr">
+                      <a:solidFill>
+                        <a:schemeClr val="tx1"/>
+                      </a:solidFill>
+                      <a:prstDash val="solid"/>
+                      <a:round/>
+                      <a:headEnd type="none" w="med" len="med"/>
+                      <a:tailEnd type="none" w="med" len="med"/>
+                    </a:lnT>
+                    <a:lnB w="12700" cap="flat" cmpd="sng" algn="ctr">
+                      <a:solidFill>
+                        <a:schemeClr val="tx1"/>
+                      </a:solidFill>
+                      <a:prstDash val="solid"/>
+                      <a:round/>
+                      <a:headEnd type="none" w="med" len="med"/>
+                      <a:tailEnd type="none" w="med" len="med"/>
+                    </a:lnB>
+                  </a:tcPr>
+                </a:tc>
+                <a:tc>
+                  <a:txBody>
+                    <a:bodyPr/>
+                    <a:lstStyle/>
+                    <a:p>
+                      <a:pPr algn="ctr"/>
+                      <a:r>
+                        <a:rPr lang="es-ES" sz="1200" dirty="0">
+                          <a:latin typeface="Geist Mono" pitchFamily="2" charset="77"/>
+                          <a:ea typeface="Geist Mono" pitchFamily="2" charset="77"/>
+                          <a:cs typeface="Geist Mono" pitchFamily="2" charset="77"/>
+                        </a:rPr>
+                        <a:t>Evaluar si hay diferencias significativas en las notas entre estudiantes de tres diferentes métodos de enseñanza.</a:t>
+                      </a:r>
+                    </a:p>
+                  </a:txBody>
+                  <a:tcPr anchor="ctr">
+                    <a:lnL w="12700" cap="flat" cmpd="sng" algn="ctr">
+                      <a:solidFill>
+                        <a:schemeClr val="tx1"/>
+                      </a:solidFill>
+                      <a:prstDash val="solid"/>
+                      <a:round/>
+                      <a:headEnd type="none" w="med" len="med"/>
+                      <a:tailEnd type="none" w="med" len="med"/>
+                    </a:lnL>
+                    <a:lnR w="12700" cap="flat" cmpd="sng" algn="ctr">
+                      <a:solidFill>
+                        <a:schemeClr val="tx1"/>
+                      </a:solidFill>
+                      <a:prstDash val="solid"/>
+                      <a:round/>
+                      <a:headEnd type="none" w="med" len="med"/>
+                      <a:tailEnd type="none" w="med" len="med"/>
+                    </a:lnR>
+                    <a:lnT w="12700" cap="flat" cmpd="sng" algn="ctr">
+                      <a:solidFill>
+                        <a:schemeClr val="tx1"/>
+                      </a:solidFill>
+                      <a:prstDash val="solid"/>
+                      <a:round/>
+                      <a:headEnd type="none" w="med" len="med"/>
+                      <a:tailEnd type="none" w="med" len="med"/>
+                    </a:lnT>
+                    <a:lnB w="12700" cap="flat" cmpd="sng" algn="ctr">
+                      <a:solidFill>
+                        <a:schemeClr val="tx1"/>
+                      </a:solidFill>
+                      <a:prstDash val="solid"/>
+                      <a:round/>
+                      <a:headEnd type="none" w="med" len="med"/>
+                      <a:tailEnd type="none" w="med" len="med"/>
+                    </a:lnB>
+                  </a:tcPr>
+                </a:tc>
+                <a:extLst>
+                  <a:ext uri="{0D108BD9-81ED-4DB2-BD59-A6C34878D82A}">
+                    <a16:rowId xmlns:a16="http://schemas.microsoft.com/office/drawing/2014/main" val="3030882104"/>
+                  </a:ext>
+                </a:extLst>
+              </a:tr>
+            </a:tbl>
+          </a:graphicData>
+        </a:graphic>
+      </p:graphicFrame>
+    </p:spTree>
+    <p:extLst>
+      <p:ext uri="{BB962C8B-B14F-4D97-AF65-F5344CB8AC3E}">
+        <p14:creationId xmlns:p14="http://schemas.microsoft.com/office/powerpoint/2010/main" val="2503773501"/>
       </p:ext>
     </p:extLst>
   </p:cSld>
